--- a/trunk/Measurement Analysis/K15T2-Team22-Team Assignment9/K15T2-Team22-Team Assignment9.pptx
+++ b/trunk/Measurement Analysis/K15T2-Team22-Team Assignment9/K15T2-Team22-Team Assignment9.pptx
@@ -5,28 +5,27 @@
     <p:sldMasterId id="2147483648" r:id="rId1"/>
   </p:sldMasterIdLst>
   <p:notesMasterIdLst>
-    <p:notesMasterId r:id="rId21"/>
+    <p:notesMasterId r:id="rId20"/>
   </p:notesMasterIdLst>
   <p:sldIdLst>
     <p:sldId id="256" r:id="rId2"/>
     <p:sldId id="257" r:id="rId3"/>
-    <p:sldId id="337" r:id="rId4"/>
-    <p:sldId id="335" r:id="rId5"/>
-    <p:sldId id="340" r:id="rId6"/>
-    <p:sldId id="336" r:id="rId7"/>
-    <p:sldId id="339" r:id="rId8"/>
-    <p:sldId id="338" r:id="rId9"/>
-    <p:sldId id="341" r:id="rId10"/>
-    <p:sldId id="342" r:id="rId11"/>
-    <p:sldId id="344" r:id="rId12"/>
-    <p:sldId id="343" r:id="rId13"/>
-    <p:sldId id="345" r:id="rId14"/>
-    <p:sldId id="346" r:id="rId15"/>
-    <p:sldId id="347" r:id="rId16"/>
-    <p:sldId id="348" r:id="rId17"/>
-    <p:sldId id="349" r:id="rId18"/>
-    <p:sldId id="350" r:id="rId19"/>
-    <p:sldId id="285" r:id="rId20"/>
+    <p:sldId id="335" r:id="rId4"/>
+    <p:sldId id="340" r:id="rId5"/>
+    <p:sldId id="336" r:id="rId6"/>
+    <p:sldId id="339" r:id="rId7"/>
+    <p:sldId id="338" r:id="rId8"/>
+    <p:sldId id="341" r:id="rId9"/>
+    <p:sldId id="342" r:id="rId10"/>
+    <p:sldId id="344" r:id="rId11"/>
+    <p:sldId id="343" r:id="rId12"/>
+    <p:sldId id="345" r:id="rId13"/>
+    <p:sldId id="346" r:id="rId14"/>
+    <p:sldId id="347" r:id="rId15"/>
+    <p:sldId id="348" r:id="rId16"/>
+    <p:sldId id="349" r:id="rId17"/>
+    <p:sldId id="350" r:id="rId18"/>
+    <p:sldId id="285" r:id="rId19"/>
   </p:sldIdLst>
   <p:sldSz cx="9144000" cy="6858000" type="screen4x3"/>
   <p:notesSz cx="6858000" cy="9144000"/>
@@ -323,7 +322,7 @@
         <p:nvSpPr>
           <p:cNvPr id="32772" name="Rectangle 4"/>
           <p:cNvSpPr>
-            <a:spLocks noRot="1" noChangeArrowheads="1" noTextEdit="1"/>
+            <a:spLocks noGrp="1" noRot="1" noChangeAspect="1" noChangeArrowheads="1" noTextEdit="1"/>
           </p:cNvSpPr>
           <p:nvPr>
             <p:ph type="sldImg" idx="2"/>
@@ -9918,7 +9917,6 @@
               <a:rPr lang="en-US" smtClean="0"/>
               <a:t>Fifth level</a:t>
             </a:r>
-            <a:endParaRPr lang="en-US" smtClean="0"/>
           </a:p>
         </p:txBody>
       </p:sp>
@@ -11210,11 +11208,6 @@
               </a:rPr>
               <a:t>Team </a:t>
             </a:r>
-            <a:endParaRPr lang="en-US" sz="5400" dirty="0" smtClean="0">
-              <a:solidFill>
-                <a:schemeClr val="bg1"/>
-              </a:solidFill>
-            </a:endParaRPr>
           </a:p>
           <a:p>
             <a:pPr algn="ctr"/>
@@ -11454,13 +11447,13 @@
   <p:clrMapOvr>
     <a:masterClrMapping/>
   </p:clrMapOvr>
-  <mc:AlternateContent xmlns:mc="http://schemas.openxmlformats.org/markup-compatibility/2006">
-    <mc:Choice xmlns:p14="http://schemas.microsoft.com/office/powerpoint/2010/main" Requires="p14">
+  <mc:AlternateContent xmlns:mc="http://schemas.openxmlformats.org/markup-compatibility/2006" xmlns:p14="http://schemas.microsoft.com/office/powerpoint/2010/main">
+    <mc:Choice Requires="p14">
       <p:transition spd="slow" p14:dur="2000">
         <p14:window dir="vert"/>
       </p:transition>
     </mc:Choice>
-    <mc:Fallback>
+    <mc:Fallback xmlns="">
       <p:transition spd="slow">
         <p:fade/>
       </p:transition>
@@ -11704,138 +11697,6 @@
       </p:grpSpPr>
       <p:sp>
         <p:nvSpPr>
-          <p:cNvPr id="4" name="Title 1"/>
-          <p:cNvSpPr>
-            <a:spLocks noGrp="1"/>
-          </p:cNvSpPr>
-          <p:nvPr>
-            <p:ph type="title"/>
-          </p:nvPr>
-        </p:nvSpPr>
-        <p:spPr>
-          <a:xfrm>
-            <a:off x="1219200" y="152400"/>
-            <a:ext cx="7391400" cy="990600"/>
-          </a:xfrm>
-        </p:spPr>
-        <p:txBody>
-          <a:bodyPr/>
-          <a:lstStyle/>
-          <a:p>
-            <a:pPr lvl="0"/>
-            <a:r>
-              <a:rPr lang="en-US" sz="3200" dirty="0" smtClean="0"/>
-              <a:t>Defect Detection Arrival Rate by Severity Metric </a:t>
-            </a:r>
-            <a:endParaRPr lang="en-US" sz="3200" dirty="0"/>
-          </a:p>
-        </p:txBody>
-      </p:sp>
-      <p:pic>
-        <p:nvPicPr>
-          <p:cNvPr id="137218" name="Chart 1"/>
-          <p:cNvPicPr>
-            <a:picLocks noChangeArrowheads="1"/>
-          </p:cNvPicPr>
-          <p:nvPr/>
-        </p:nvPicPr>
-        <p:blipFill>
-          <a:blip r:embed="rId2">
-            <a:extLst>
-              <a:ext uri="{28A0092B-C50C-407E-A947-70E740481C1C}">
-                <a14:useLocalDpi xmlns:a14="http://schemas.microsoft.com/office/drawing/2010/main" val="0"/>
-              </a:ext>
-            </a:extLst>
-          </a:blip>
-          <a:srcRect/>
-          <a:stretch>
-            <a:fillRect/>
-          </a:stretch>
-        </p:blipFill>
-        <p:spPr bwMode="auto">
-          <a:xfrm>
-            <a:off x="381000" y="1279288"/>
-            <a:ext cx="8305800" cy="5422900"/>
-          </a:xfrm>
-          <a:prstGeom prst="rect">
-            <a:avLst/>
-          </a:prstGeom>
-          <a:noFill/>
-          <a:ln>
-            <a:noFill/>
-          </a:ln>
-          <a:extLst>
-            <a:ext uri="{909E8E84-426E-40DD-AFC4-6F175D3DCCD1}">
-              <a14:hiddenFill xmlns:a14="http://schemas.microsoft.com/office/drawing/2010/main">
-                <a:solidFill>
-                  <a:srgbClr val="FFFFFF"/>
-                </a:solidFill>
-              </a14:hiddenFill>
-            </a:ext>
-            <a:ext uri="{91240B29-F687-4F45-9708-019B960494DF}">
-              <a14:hiddenLine xmlns:a14="http://schemas.microsoft.com/office/drawing/2010/main" w="9525">
-                <a:solidFill>
-                  <a:srgbClr val="000000"/>
-                </a:solidFill>
-                <a:miter lim="800000"/>
-                <a:headEnd/>
-                <a:tailEnd/>
-              </a14:hiddenLine>
-            </a:ext>
-          </a:extLst>
-        </p:spPr>
-      </p:pic>
-    </p:spTree>
-    <p:extLst>
-      <p:ext uri="{BB962C8B-B14F-4D97-AF65-F5344CB8AC3E}">
-        <p14:creationId xmlns:p14="http://schemas.microsoft.com/office/powerpoint/2010/main" val="2234613466"/>
-      </p:ext>
-    </p:extLst>
-  </p:cSld>
-  <p:clrMapOvr>
-    <a:masterClrMapping/>
-  </p:clrMapOvr>
-  <mc:AlternateContent xmlns:mc="http://schemas.openxmlformats.org/markup-compatibility/2006">
-    <mc:Choice xmlns:p14="http://schemas.microsoft.com/office/powerpoint/2010/main" Requires="p14">
-      <p:transition spd="med">
-        <p14:ripple/>
-      </p:transition>
-    </mc:Choice>
-    <mc:Fallback>
-      <p:transition spd="med">
-        <p:fade/>
-      </p:transition>
-    </mc:Fallback>
-  </mc:AlternateContent>
-  <p:timing>
-    <p:tnLst>
-      <p:par>
-        <p:cTn id="1" dur="indefinite" restart="never" nodeType="tmRoot"/>
-      </p:par>
-    </p:tnLst>
-  </p:timing>
-</p:sld>
-</file>
-
-<file path=ppt/slides/slide11.xml><?xml version="1.0" encoding="utf-8"?>
-<p:sld xmlns:a="http://schemas.openxmlformats.org/drawingml/2006/main" xmlns:r="http://schemas.openxmlformats.org/officeDocument/2006/relationships" xmlns:p="http://schemas.openxmlformats.org/presentationml/2006/main">
-  <p:cSld>
-    <p:spTree>
-      <p:nvGrpSpPr>
-        <p:cNvPr id="1" name=""/>
-        <p:cNvGrpSpPr/>
-        <p:nvPr/>
-      </p:nvGrpSpPr>
-      <p:grpSpPr>
-        <a:xfrm>
-          <a:off x="0" y="0"/>
-          <a:ext cx="0" cy="0"/>
-          <a:chOff x="0" y="0"/>
-          <a:chExt cx="0" cy="0"/>
-        </a:xfrm>
-      </p:grpSpPr>
-      <p:sp>
-        <p:nvSpPr>
           <p:cNvPr id="3" name="Content Placeholder 2"/>
           <p:cNvSpPr>
             <a:spLocks noGrp="1"/>
@@ -11981,13 +11842,13 @@
   <p:clrMapOvr>
     <a:masterClrMapping/>
   </p:clrMapOvr>
-  <mc:AlternateContent xmlns:mc="http://schemas.openxmlformats.org/markup-compatibility/2006">
-    <mc:Choice xmlns:p14="http://schemas.microsoft.com/office/powerpoint/2010/main" Requires="p14">
+  <mc:AlternateContent xmlns:mc="http://schemas.openxmlformats.org/markup-compatibility/2006" xmlns:p14="http://schemas.microsoft.com/office/powerpoint/2010/main">
+    <mc:Choice Requires="p14">
       <p:transition p14:dur="250">
         <p:dissolve/>
       </p:transition>
     </mc:Choice>
-    <mc:Fallback>
+    <mc:Fallback xmlns="">
       <p:transition>
         <p:dissolve/>
       </p:transition>
@@ -12529,7 +12390,7 @@
 </p:sld>
 </file>
 
-<file path=ppt/slides/slide12.xml><?xml version="1.0" encoding="utf-8"?>
+<file path=ppt/slides/slide11.xml><?xml version="1.0" encoding="utf-8"?>
 <p:sld xmlns:a="http://schemas.openxmlformats.org/drawingml/2006/main" xmlns:r="http://schemas.openxmlformats.org/officeDocument/2006/relationships" xmlns:p="http://schemas.openxmlformats.org/presentationml/2006/main">
   <p:cSld>
     <p:spTree>
@@ -12588,122 +12449,6 @@
           </a:extLst>
         </p:spPr>
       </p:pic>
-      <p:sp>
-        <p:nvSpPr>
-          <p:cNvPr id="35842" name="Line 2"/>
-          <p:cNvSpPr>
-            <a:spLocks noChangeShapeType="1"/>
-          </p:cNvSpPr>
-          <p:nvPr/>
-        </p:nvSpPr>
-        <p:spPr bwMode="black">
-          <a:xfrm>
-            <a:off x="2928938" y="5543550"/>
-            <a:ext cx="4800600" cy="0"/>
-          </a:xfrm>
-          <a:prstGeom prst="line">
-            <a:avLst/>
-          </a:prstGeom>
-          <a:noFill/>
-          <a:ln w="28575" cap="rnd">
-            <a:solidFill>
-              <a:schemeClr val="tx1"/>
-            </a:solidFill>
-            <a:prstDash val="sysDot"/>
-            <a:round/>
-            <a:headEnd/>
-            <a:tailEnd/>
-          </a:ln>
-          <a:effectLst/>
-          <a:extLst>
-            <a:ext uri="{909E8E84-426E-40DD-AFC4-6F175D3DCCD1}">
-              <a14:hiddenFill xmlns:a14="http://schemas.microsoft.com/office/drawing/2010/main">
-                <a:noFill/>
-              </a14:hiddenFill>
-            </a:ext>
-            <a:ext uri="{AF507438-7753-43E0-B8FC-AC1667EBCBE1}">
-              <a14:hiddenEffects xmlns:a14="http://schemas.microsoft.com/office/drawing/2010/main">
-                <a:effectLst>
-                  <a:outerShdw dist="35921" dir="2700000" algn="ctr" rotWithShape="0">
-                    <a:schemeClr val="bg2"/>
-                  </a:outerShdw>
-                </a:effectLst>
-              </a14:hiddenEffects>
-            </a:ext>
-          </a:extLst>
-        </p:spPr>
-        <p:txBody>
-          <a:bodyPr/>
-          <a:lstStyle/>
-          <a:p>
-            <a:endParaRPr lang="en-US" dirty="0"/>
-          </a:p>
-        </p:txBody>
-      </p:sp>
-      <p:sp>
-        <p:nvSpPr>
-          <p:cNvPr id="35843" name="Rectangle 3"/>
-          <p:cNvSpPr>
-            <a:spLocks noChangeArrowheads="1"/>
-          </p:cNvSpPr>
-          <p:nvPr/>
-        </p:nvSpPr>
-        <p:spPr bwMode="black">
-          <a:xfrm>
-            <a:off x="3614738" y="5162550"/>
-            <a:ext cx="3552825" cy="369332"/>
-          </a:xfrm>
-          <a:prstGeom prst="rect">
-            <a:avLst/>
-          </a:prstGeom>
-          <a:noFill/>
-          <a:ln>
-            <a:noFill/>
-          </a:ln>
-          <a:effectLst/>
-          <a:extLst>
-            <a:ext uri="{909E8E84-426E-40DD-AFC4-6F175D3DCCD1}">
-              <a14:hiddenFill xmlns:a14="http://schemas.microsoft.com/office/drawing/2010/main">
-                <a:solidFill>
-                  <a:schemeClr val="accent1"/>
-                </a:solidFill>
-              </a14:hiddenFill>
-            </a:ext>
-            <a:ext uri="{91240B29-F687-4F45-9708-019B960494DF}">
-              <a14:hiddenLine xmlns:a14="http://schemas.microsoft.com/office/drawing/2010/main" w="9525">
-                <a:solidFill>
-                  <a:schemeClr val="tx1"/>
-                </a:solidFill>
-                <a:miter lim="800000"/>
-                <a:headEnd/>
-                <a:tailEnd/>
-              </a14:hiddenLine>
-            </a:ext>
-            <a:ext uri="{AF507438-7753-43E0-B8FC-AC1667EBCBE1}">
-              <a14:hiddenEffects xmlns:a14="http://schemas.microsoft.com/office/drawing/2010/main">
-                <a:effectLst>
-                  <a:outerShdw dist="35921" dir="2700000" algn="ctr" rotWithShape="0">
-                    <a:schemeClr val="bg2"/>
-                  </a:outerShdw>
-                </a:effectLst>
-              </a14:hiddenEffects>
-            </a:ext>
-          </a:extLst>
-        </p:spPr>
-        <p:txBody>
-          <a:bodyPr>
-            <a:spAutoFit/>
-          </a:bodyPr>
-          <a:lstStyle/>
-          <a:p>
-            <a:pPr lvl="0"/>
-            <a:r>
-              <a:rPr lang="en-US" dirty="0"/>
-              <a:t>Related Document</a:t>
-            </a:r>
-          </a:p>
-        </p:txBody>
-      </p:sp>
       <p:sp>
         <p:nvSpPr>
           <p:cNvPr id="35844" name="Line 4"/>
@@ -14462,303 +14207,6 @@
           </p:spPr>
         </p:pic>
       </p:grpSp>
-      <p:grpSp>
-        <p:nvGrpSpPr>
-          <p:cNvPr id="35930" name="Group 90"/>
-          <p:cNvGrpSpPr>
-            <a:grpSpLocks/>
-          </p:cNvGrpSpPr>
-          <p:nvPr/>
-        </p:nvGrpSpPr>
-        <p:grpSpPr bwMode="auto">
-          <a:xfrm>
-            <a:off x="2732088" y="5148263"/>
-            <a:ext cx="393700" cy="393700"/>
-            <a:chOff x="4803" y="1006"/>
-            <a:chExt cx="416" cy="416"/>
-          </a:xfrm>
-        </p:grpSpPr>
-        <p:sp>
-          <p:nvSpPr>
-            <p:cNvPr id="35921" name="Oval 81"/>
-            <p:cNvSpPr>
-              <a:spLocks noChangeArrowheads="1"/>
-            </p:cNvSpPr>
-            <p:nvPr/>
-          </p:nvSpPr>
-          <p:spPr bwMode="gray">
-            <a:xfrm>
-              <a:off x="4803" y="1006"/>
-              <a:ext cx="416" cy="416"/>
-            </a:xfrm>
-            <a:prstGeom prst="ellipse">
-              <a:avLst/>
-            </a:prstGeom>
-            <a:gradFill rotWithShape="1">
-              <a:gsLst>
-                <a:gs pos="0">
-                  <a:srgbClr val="FFFFFF">
-                    <a:gamma/>
-                    <a:shade val="54118"/>
-                    <a:invGamma/>
-                  </a:srgbClr>
-                </a:gs>
-                <a:gs pos="50000">
-                  <a:srgbClr val="FFFFFF"/>
-                </a:gs>
-                <a:gs pos="100000">
-                  <a:srgbClr val="FFFFFF">
-                    <a:gamma/>
-                    <a:shade val="54118"/>
-                    <a:invGamma/>
-                  </a:srgbClr>
-                </a:gs>
-              </a:gsLst>
-              <a:lin ang="18900000" scaled="1"/>
-            </a:gradFill>
-            <a:ln w="9525">
-              <a:solidFill>
-                <a:srgbClr val="DDDDDD"/>
-              </a:solidFill>
-              <a:round/>
-              <a:headEnd/>
-              <a:tailEnd/>
-            </a:ln>
-            <a:effectLst>
-              <a:outerShdw dist="35921" dir="2700000" algn="ctr" rotWithShape="0">
-                <a:schemeClr val="bg2">
-                  <a:alpha val="50000"/>
-                </a:schemeClr>
-              </a:outerShdw>
-            </a:effectLst>
-          </p:spPr>
-          <p:txBody>
-            <a:bodyPr wrap="none" anchor="ctr"/>
-            <a:lstStyle/>
-            <a:p>
-              <a:endParaRPr lang="en-US" dirty="0"/>
-            </a:p>
-          </p:txBody>
-        </p:sp>
-        <p:grpSp>
-          <p:nvGrpSpPr>
-            <p:cNvPr id="35922" name="Group 82"/>
-            <p:cNvGrpSpPr>
-              <a:grpSpLocks/>
-            </p:cNvGrpSpPr>
-            <p:nvPr/>
-          </p:nvGrpSpPr>
-          <p:grpSpPr bwMode="auto">
-            <a:xfrm rot="-2288454">
-              <a:off x="4838" y="1034"/>
-              <a:ext cx="348" cy="356"/>
-              <a:chOff x="887" y="2040"/>
-              <a:chExt cx="433" cy="422"/>
-            </a:xfrm>
-          </p:grpSpPr>
-          <p:pic>
-            <p:nvPicPr>
-              <p:cNvPr id="35923" name="Picture 83" descr="circuler_1"/>
-              <p:cNvPicPr>
-                <a:picLocks noChangeAspect="1" noChangeArrowheads="1"/>
-              </p:cNvPicPr>
-              <p:nvPr/>
-            </p:nvPicPr>
-            <p:blipFill>
-              <a:blip r:embed="rId3" cstate="print">
-                <a:extLst>
-                  <a:ext uri="{28A0092B-C50C-407E-A947-70E740481C1C}">
-                    <a14:useLocalDpi xmlns:a14="http://schemas.microsoft.com/office/drawing/2010/main" val="0"/>
-                  </a:ext>
-                </a:extLst>
-              </a:blip>
-              <a:srcRect/>
-              <a:stretch>
-                <a:fillRect/>
-              </a:stretch>
-            </p:blipFill>
-            <p:spPr bwMode="gray">
-              <a:xfrm>
-                <a:off x="887" y="2040"/>
-                <a:ext cx="430" cy="420"/>
-              </a:xfrm>
-              <a:prstGeom prst="rect">
-                <a:avLst/>
-              </a:prstGeom>
-              <a:noFill/>
-              <a:extLst>
-                <a:ext uri="{909E8E84-426E-40DD-AFC4-6F175D3DCCD1}">
-                  <a14:hiddenFill xmlns:a14="http://schemas.microsoft.com/office/drawing/2010/main">
-                    <a:solidFill>
-                      <a:srgbClr val="FFFFFF"/>
-                    </a:solidFill>
-                  </a14:hiddenFill>
-                </a:ext>
-              </a:extLst>
-            </p:spPr>
-          </p:pic>
-          <p:sp>
-            <p:nvSpPr>
-              <p:cNvPr id="35924" name="Oval 84"/>
-              <p:cNvSpPr>
-                <a:spLocks noChangeArrowheads="1"/>
-              </p:cNvSpPr>
-              <p:nvPr/>
-            </p:nvSpPr>
-            <p:spPr bwMode="gray">
-              <a:xfrm>
-                <a:off x="887" y="2040"/>
-                <a:ext cx="433" cy="422"/>
-              </a:xfrm>
-              <a:prstGeom prst="ellipse">
-                <a:avLst/>
-              </a:prstGeom>
-              <a:solidFill>
-                <a:srgbClr val="FB4F2D">
-                  <a:alpha val="75000"/>
-                </a:srgbClr>
-              </a:solidFill>
-              <a:ln>
-                <a:noFill/>
-              </a:ln>
-              <a:effectLst/>
-              <a:extLst>
-                <a:ext uri="{91240B29-F687-4F45-9708-019B960494DF}">
-                  <a14:hiddenLine xmlns:a14="http://schemas.microsoft.com/office/drawing/2010/main" w="9525" algn="ctr">
-                    <a:solidFill>
-                      <a:schemeClr val="tx1"/>
-                    </a:solidFill>
-                    <a:round/>
-                    <a:headEnd/>
-                    <a:tailEnd/>
-                  </a14:hiddenLine>
-                </a:ext>
-                <a:ext uri="{AF507438-7753-43E0-B8FC-AC1667EBCBE1}">
-                  <a14:hiddenEffects xmlns:a14="http://schemas.microsoft.com/office/drawing/2010/main">
-                    <a:effectLst>
-                      <a:outerShdw dist="35921" dir="2700000" algn="ctr" rotWithShape="0">
-                        <a:schemeClr val="bg2"/>
-                      </a:outerShdw>
-                    </a:effectLst>
-                  </a14:hiddenEffects>
-                </a:ext>
-              </a:extLst>
-            </p:spPr>
-            <p:txBody>
-              <a:bodyPr wrap="none" anchor="ctr"/>
-              <a:lstStyle/>
-              <a:p>
-                <a:endParaRPr lang="en-US" dirty="0"/>
-              </a:p>
-            </p:txBody>
-          </p:sp>
-          <p:pic>
-            <p:nvPicPr>
-              <p:cNvPr id="35925" name="Picture 85" descr="Picture2"/>
-              <p:cNvPicPr>
-                <a:picLocks noChangeAspect="1" noChangeArrowheads="1"/>
-              </p:cNvPicPr>
-              <p:nvPr/>
-            </p:nvPicPr>
-            <p:blipFill>
-              <a:blip r:embed="rId4" cstate="print">
-                <a:extLst>
-                  <a:ext uri="{28A0092B-C50C-407E-A947-70E740481C1C}">
-                    <a14:useLocalDpi xmlns:a14="http://schemas.microsoft.com/office/drawing/2010/main" val="0"/>
-                  </a:ext>
-                </a:extLst>
-              </a:blip>
-              <a:srcRect/>
-              <a:stretch>
-                <a:fillRect/>
-              </a:stretch>
-            </p:blipFill>
-            <p:spPr bwMode="gray">
-              <a:xfrm>
-                <a:off x="930" y="2044"/>
-                <a:ext cx="345" cy="149"/>
-              </a:xfrm>
-              <a:prstGeom prst="rect">
-                <a:avLst/>
-              </a:prstGeom>
-              <a:noFill/>
-              <a:extLst>
-                <a:ext uri="{909E8E84-426E-40DD-AFC4-6F175D3DCCD1}">
-                  <a14:hiddenFill xmlns:a14="http://schemas.microsoft.com/office/drawing/2010/main">
-                    <a:solidFill>
-                      <a:srgbClr val="FFFFFF"/>
-                    </a:solidFill>
-                  </a14:hiddenFill>
-                </a:ext>
-              </a:extLst>
-            </p:spPr>
-          </p:pic>
-        </p:grpSp>
-        <p:pic>
-          <p:nvPicPr>
-            <p:cNvPr id="35929" name="Picture 89"/>
-            <p:cNvPicPr>
-              <a:picLocks noChangeAspect="1" noChangeArrowheads="1"/>
-            </p:cNvPicPr>
-            <p:nvPr/>
-          </p:nvPicPr>
-          <p:blipFill>
-            <a:blip r:embed="rId5" cstate="print">
-              <a:extLst>
-                <a:ext uri="{28A0092B-C50C-407E-A947-70E740481C1C}">
-                  <a14:useLocalDpi xmlns:a14="http://schemas.microsoft.com/office/drawing/2010/main" val="0"/>
-                </a:ext>
-              </a:extLst>
-            </a:blip>
-            <a:srcRect l="12015" t="9302" r="12404" b="12598"/>
-            <a:stretch>
-              <a:fillRect/>
-            </a:stretch>
-          </p:blipFill>
-          <p:spPr bwMode="gray">
-            <a:xfrm>
-              <a:off x="4830" y="1020"/>
-              <a:ext cx="359" cy="370"/>
-            </a:xfrm>
-            <a:prstGeom prst="rect">
-              <a:avLst/>
-            </a:prstGeom>
-            <a:noFill/>
-            <a:ln>
-              <a:noFill/>
-            </a:ln>
-            <a:effectLst/>
-            <a:extLst>
-              <a:ext uri="{909E8E84-426E-40DD-AFC4-6F175D3DCCD1}">
-                <a14:hiddenFill xmlns:a14="http://schemas.microsoft.com/office/drawing/2010/main">
-                  <a:solidFill>
-                    <a:schemeClr val="accent1"/>
-                  </a:solidFill>
-                </a14:hiddenFill>
-              </a:ext>
-              <a:ext uri="{91240B29-F687-4F45-9708-019B960494DF}">
-                <a14:hiddenLine xmlns:a14="http://schemas.microsoft.com/office/drawing/2010/main" w="9525">
-                  <a:solidFill>
-                    <a:schemeClr val="tx1"/>
-                  </a:solidFill>
-                  <a:miter lim="800000"/>
-                  <a:headEnd/>
-                  <a:tailEnd/>
-                </a14:hiddenLine>
-              </a:ext>
-              <a:ext uri="{AF507438-7753-43E0-B8FC-AC1667EBCBE1}">
-                <a14:hiddenEffects xmlns:a14="http://schemas.microsoft.com/office/drawing/2010/main">
-                  <a:effectLst>
-                    <a:outerShdw dist="35921" dir="2700000" algn="ctr" rotWithShape="0">
-                      <a:schemeClr val="bg2"/>
-                    </a:outerShdw>
-                  </a:effectLst>
-                </a14:hiddenEffects>
-              </a:ext>
-            </a:extLst>
-          </p:spPr>
-        </p:pic>
-      </p:grpSp>
       <p:sp>
         <p:nvSpPr>
           <p:cNvPr id="49" name="Striped Right Arrow 48"/>
@@ -14853,13 +14301,13 @@
   <p:clrMapOvr>
     <a:masterClrMapping/>
   </p:clrMapOvr>
-  <mc:AlternateContent xmlns:mc="http://schemas.openxmlformats.org/markup-compatibility/2006">
-    <mc:Choice xmlns:p14="http://schemas.microsoft.com/office/powerpoint/2010/main" Requires="p14">
+  <mc:AlternateContent xmlns:mc="http://schemas.openxmlformats.org/markup-compatibility/2006" xmlns:p14="http://schemas.microsoft.com/office/powerpoint/2010/main">
+    <mc:Choice Requires="p14">
       <p:transition spd="slow">
         <p14:doors dir="vert"/>
       </p:transition>
     </mc:Choice>
-    <mc:Fallback>
+    <mc:Fallback xmlns="">
       <p:transition spd="slow">
         <p:fade/>
       </p:transition>
@@ -14957,7 +14405,7 @@
 </p:sld>
 </file>
 
-<file path=ppt/slides/slide13.xml><?xml version="1.0" encoding="utf-8"?>
+<file path=ppt/slides/slide12.xml><?xml version="1.0" encoding="utf-8"?>
 <p:sld xmlns:a="http://schemas.openxmlformats.org/drawingml/2006/main" xmlns:r="http://schemas.openxmlformats.org/officeDocument/2006/relationships" xmlns:p="http://schemas.openxmlformats.org/presentationml/2006/main">
   <p:cSld>
     <p:spTree>
@@ -15068,13 +14516,13 @@
   <p:clrMapOvr>
     <a:masterClrMapping/>
   </p:clrMapOvr>
-  <mc:AlternateContent xmlns:mc="http://schemas.openxmlformats.org/markup-compatibility/2006">
-    <mc:Choice xmlns:p14="http://schemas.microsoft.com/office/powerpoint/2010/main" Requires="p14">
+  <mc:AlternateContent xmlns:mc="http://schemas.openxmlformats.org/markup-compatibility/2006" xmlns:p14="http://schemas.microsoft.com/office/powerpoint/2010/main">
+    <mc:Choice Requires="p14">
       <p:transition spd="med">
         <p14:prism isContent="1"/>
       </p:transition>
     </mc:Choice>
-    <mc:Fallback>
+    <mc:Fallback xmlns="">
       <p:transition spd="med">
         <p:fade/>
       </p:transition>
@@ -15090,7 +14538,7 @@
 </p:sld>
 </file>
 
-<file path=ppt/slides/slide14.xml><?xml version="1.0" encoding="utf-8"?>
+<file path=ppt/slides/slide13.xml><?xml version="1.0" encoding="utf-8"?>
 <p:sld xmlns:a="http://schemas.openxmlformats.org/drawingml/2006/main" xmlns:r="http://schemas.openxmlformats.org/officeDocument/2006/relationships" xmlns:p="http://schemas.openxmlformats.org/presentationml/2006/main">
   <p:cSld>
     <p:spTree>
@@ -15965,13 +15413,13 @@
   <p:clrMapOvr>
     <a:masterClrMapping/>
   </p:clrMapOvr>
-  <mc:AlternateContent xmlns:mc="http://schemas.openxmlformats.org/markup-compatibility/2006">
-    <mc:Choice xmlns:p14="http://schemas.microsoft.com/office/powerpoint/2010/main" Requires="p14">
+  <mc:AlternateContent xmlns:mc="http://schemas.openxmlformats.org/markup-compatibility/2006" xmlns:p14="http://schemas.microsoft.com/office/powerpoint/2010/main">
+    <mc:Choice Requires="p14">
       <p:transition spd="med">
         <p14:prism/>
       </p:transition>
     </mc:Choice>
-    <mc:Fallback>
+    <mc:Fallback xmlns="">
       <p:transition spd="med">
         <p:fade/>
       </p:transition>
@@ -16266,7 +15714,7 @@
 </p:sld>
 </file>
 
-<file path=ppt/slides/slide15.xml><?xml version="1.0" encoding="utf-8"?>
+<file path=ppt/slides/slide14.xml><?xml version="1.0" encoding="utf-8"?>
 <p:sld xmlns:a="http://schemas.openxmlformats.org/drawingml/2006/main" xmlns:r="http://schemas.openxmlformats.org/officeDocument/2006/relationships" xmlns:p="http://schemas.openxmlformats.org/presentationml/2006/main">
   <p:cSld>
     <p:spTree>
@@ -16687,7 +16135,7 @@
 </p:sld>
 </file>
 
-<file path=ppt/slides/slide16.xml><?xml version="1.0" encoding="utf-8"?>
+<file path=ppt/slides/slide15.xml><?xml version="1.0" encoding="utf-8"?>
 <p:sld xmlns:a="http://schemas.openxmlformats.org/drawingml/2006/main" xmlns:r="http://schemas.openxmlformats.org/officeDocument/2006/relationships" xmlns:p="http://schemas.openxmlformats.org/presentationml/2006/main">
   <p:cSld>
     <p:spTree>
@@ -17447,7 +16895,7 @@
 </p:sld>
 </file>
 
-<file path=ppt/slides/slide17.xml><?xml version="1.0" encoding="utf-8"?>
+<file path=ppt/slides/slide16.xml><?xml version="1.0" encoding="utf-8"?>
 <p:sld xmlns:a="http://schemas.openxmlformats.org/drawingml/2006/main" xmlns:r="http://schemas.openxmlformats.org/officeDocument/2006/relationships" xmlns:p="http://schemas.openxmlformats.org/presentationml/2006/main">
   <p:cSld>
     <p:spTree>
@@ -17693,7 +17141,7 @@
 </p:sld>
 </file>
 
-<file path=ppt/slides/slide18.xml><?xml version="1.0" encoding="utf-8"?>
+<file path=ppt/slides/slide17.xml><?xml version="1.0" encoding="utf-8"?>
 <p:sld xmlns:a="http://schemas.openxmlformats.org/drawingml/2006/main" xmlns:r="http://schemas.openxmlformats.org/officeDocument/2006/relationships" xmlns:p="http://schemas.openxmlformats.org/presentationml/2006/main">
   <p:cSld>
     <p:spTree>
@@ -17852,13 +17300,13 @@
   <p:clrMapOvr>
     <a:masterClrMapping/>
   </p:clrMapOvr>
-  <mc:AlternateContent xmlns:mc="http://schemas.openxmlformats.org/markup-compatibility/2006">
-    <mc:Choice xmlns:p14="http://schemas.microsoft.com/office/powerpoint/2010/main" Requires="p14">
+  <mc:AlternateContent xmlns:mc="http://schemas.openxmlformats.org/markup-compatibility/2006" xmlns:p14="http://schemas.microsoft.com/office/powerpoint/2010/main">
+    <mc:Choice Requires="p14">
       <p:transition spd="med">
         <p14:pan dir="u"/>
       </p:transition>
     </mc:Choice>
-    <mc:Fallback>
+    <mc:Fallback xmlns="">
       <p:transition spd="med">
         <p:fade/>
       </p:transition>
@@ -17874,7 +17322,7 @@
 </p:sld>
 </file>
 
-<file path=ppt/slides/slide19.xml><?xml version="1.0" encoding="utf-8"?>
+<file path=ppt/slides/slide18.xml><?xml version="1.0" encoding="utf-8"?>
 <p:sld xmlns:a="http://schemas.openxmlformats.org/drawingml/2006/main" xmlns:r="http://schemas.openxmlformats.org/officeDocument/2006/relationships" xmlns:p="http://schemas.openxmlformats.org/presentationml/2006/main">
   <p:cSld>
     <p:spTree>
@@ -18082,13 +17530,13 @@
   <p:clrMapOvr>
     <a:masterClrMapping/>
   </p:clrMapOvr>
-  <mc:AlternateContent xmlns:mc="http://schemas.openxmlformats.org/markup-compatibility/2006">
-    <mc:Choice xmlns:p14="http://schemas.microsoft.com/office/powerpoint/2010/main" Requires="p14">
+  <mc:AlternateContent xmlns:mc="http://schemas.openxmlformats.org/markup-compatibility/2006" xmlns:p14="http://schemas.microsoft.com/office/powerpoint/2010/main">
+    <mc:Choice Requires="p14">
       <p:transition spd="slow" p14:dur="1500">
         <p14:window dir="vert"/>
       </p:transition>
     </mc:Choice>
-    <mc:Fallback>
+    <mc:Fallback xmlns="">
       <p:transition spd="slow">
         <p:fade/>
       </p:transition>
@@ -18289,122 +17737,6 @@
           </a:extLst>
         </p:spPr>
       </p:pic>
-      <p:sp>
-        <p:nvSpPr>
-          <p:cNvPr id="35842" name="Line 2"/>
-          <p:cNvSpPr>
-            <a:spLocks noChangeShapeType="1"/>
-          </p:cNvSpPr>
-          <p:nvPr/>
-        </p:nvSpPr>
-        <p:spPr bwMode="black">
-          <a:xfrm>
-            <a:off x="2928938" y="5543550"/>
-            <a:ext cx="4800600" cy="0"/>
-          </a:xfrm>
-          <a:prstGeom prst="line">
-            <a:avLst/>
-          </a:prstGeom>
-          <a:noFill/>
-          <a:ln w="28575" cap="rnd">
-            <a:solidFill>
-              <a:schemeClr val="tx1"/>
-            </a:solidFill>
-            <a:prstDash val="sysDot"/>
-            <a:round/>
-            <a:headEnd/>
-            <a:tailEnd/>
-          </a:ln>
-          <a:effectLst/>
-          <a:extLst>
-            <a:ext uri="{909E8E84-426E-40DD-AFC4-6F175D3DCCD1}">
-              <a14:hiddenFill xmlns:a14="http://schemas.microsoft.com/office/drawing/2010/main">
-                <a:noFill/>
-              </a14:hiddenFill>
-            </a:ext>
-            <a:ext uri="{AF507438-7753-43E0-B8FC-AC1667EBCBE1}">
-              <a14:hiddenEffects xmlns:a14="http://schemas.microsoft.com/office/drawing/2010/main">
-                <a:effectLst>
-                  <a:outerShdw dist="35921" dir="2700000" algn="ctr" rotWithShape="0">
-                    <a:schemeClr val="bg2"/>
-                  </a:outerShdw>
-                </a:effectLst>
-              </a14:hiddenEffects>
-            </a:ext>
-          </a:extLst>
-        </p:spPr>
-        <p:txBody>
-          <a:bodyPr/>
-          <a:lstStyle/>
-          <a:p>
-            <a:endParaRPr lang="en-US" dirty="0"/>
-          </a:p>
-        </p:txBody>
-      </p:sp>
-      <p:sp>
-        <p:nvSpPr>
-          <p:cNvPr id="35843" name="Rectangle 3"/>
-          <p:cNvSpPr>
-            <a:spLocks noChangeArrowheads="1"/>
-          </p:cNvSpPr>
-          <p:nvPr/>
-        </p:nvSpPr>
-        <p:spPr bwMode="black">
-          <a:xfrm>
-            <a:off x="3614738" y="5162550"/>
-            <a:ext cx="3552825" cy="369332"/>
-          </a:xfrm>
-          <a:prstGeom prst="rect">
-            <a:avLst/>
-          </a:prstGeom>
-          <a:noFill/>
-          <a:ln>
-            <a:noFill/>
-          </a:ln>
-          <a:effectLst/>
-          <a:extLst>
-            <a:ext uri="{909E8E84-426E-40DD-AFC4-6F175D3DCCD1}">
-              <a14:hiddenFill xmlns:a14="http://schemas.microsoft.com/office/drawing/2010/main">
-                <a:solidFill>
-                  <a:schemeClr val="accent1"/>
-                </a:solidFill>
-              </a14:hiddenFill>
-            </a:ext>
-            <a:ext uri="{91240B29-F687-4F45-9708-019B960494DF}">
-              <a14:hiddenLine xmlns:a14="http://schemas.microsoft.com/office/drawing/2010/main" w="9525">
-                <a:solidFill>
-                  <a:schemeClr val="tx1"/>
-                </a:solidFill>
-                <a:miter lim="800000"/>
-                <a:headEnd/>
-                <a:tailEnd/>
-              </a14:hiddenLine>
-            </a:ext>
-            <a:ext uri="{AF507438-7753-43E0-B8FC-AC1667EBCBE1}">
-              <a14:hiddenEffects xmlns:a14="http://schemas.microsoft.com/office/drawing/2010/main">
-                <a:effectLst>
-                  <a:outerShdw dist="35921" dir="2700000" algn="ctr" rotWithShape="0">
-                    <a:schemeClr val="bg2"/>
-                  </a:outerShdw>
-                </a:effectLst>
-              </a14:hiddenEffects>
-            </a:ext>
-          </a:extLst>
-        </p:spPr>
-        <p:txBody>
-          <a:bodyPr>
-            <a:spAutoFit/>
-          </a:bodyPr>
-          <a:lstStyle/>
-          <a:p>
-            <a:pPr lvl="0"/>
-            <a:r>
-              <a:rPr lang="en-US" dirty="0"/>
-              <a:t>Related Document</a:t>
-            </a:r>
-          </a:p>
-        </p:txBody>
-      </p:sp>
       <p:sp>
         <p:nvSpPr>
           <p:cNvPr id="35844" name="Line 4"/>
@@ -20163,303 +19495,6 @@
           </p:spPr>
         </p:pic>
       </p:grpSp>
-      <p:grpSp>
-        <p:nvGrpSpPr>
-          <p:cNvPr id="35930" name="Group 90"/>
-          <p:cNvGrpSpPr>
-            <a:grpSpLocks/>
-          </p:cNvGrpSpPr>
-          <p:nvPr/>
-        </p:nvGrpSpPr>
-        <p:grpSpPr bwMode="auto">
-          <a:xfrm>
-            <a:off x="2732088" y="5148263"/>
-            <a:ext cx="393700" cy="393700"/>
-            <a:chOff x="4803" y="1006"/>
-            <a:chExt cx="416" cy="416"/>
-          </a:xfrm>
-        </p:grpSpPr>
-        <p:sp>
-          <p:nvSpPr>
-            <p:cNvPr id="35921" name="Oval 81"/>
-            <p:cNvSpPr>
-              <a:spLocks noChangeArrowheads="1"/>
-            </p:cNvSpPr>
-            <p:nvPr/>
-          </p:nvSpPr>
-          <p:spPr bwMode="gray">
-            <a:xfrm>
-              <a:off x="4803" y="1006"/>
-              <a:ext cx="416" cy="416"/>
-            </a:xfrm>
-            <a:prstGeom prst="ellipse">
-              <a:avLst/>
-            </a:prstGeom>
-            <a:gradFill rotWithShape="1">
-              <a:gsLst>
-                <a:gs pos="0">
-                  <a:srgbClr val="FFFFFF">
-                    <a:gamma/>
-                    <a:shade val="54118"/>
-                    <a:invGamma/>
-                  </a:srgbClr>
-                </a:gs>
-                <a:gs pos="50000">
-                  <a:srgbClr val="FFFFFF"/>
-                </a:gs>
-                <a:gs pos="100000">
-                  <a:srgbClr val="FFFFFF">
-                    <a:gamma/>
-                    <a:shade val="54118"/>
-                    <a:invGamma/>
-                  </a:srgbClr>
-                </a:gs>
-              </a:gsLst>
-              <a:lin ang="18900000" scaled="1"/>
-            </a:gradFill>
-            <a:ln w="9525">
-              <a:solidFill>
-                <a:srgbClr val="DDDDDD"/>
-              </a:solidFill>
-              <a:round/>
-              <a:headEnd/>
-              <a:tailEnd/>
-            </a:ln>
-            <a:effectLst>
-              <a:outerShdw dist="35921" dir="2700000" algn="ctr" rotWithShape="0">
-                <a:schemeClr val="bg2">
-                  <a:alpha val="50000"/>
-                </a:schemeClr>
-              </a:outerShdw>
-            </a:effectLst>
-          </p:spPr>
-          <p:txBody>
-            <a:bodyPr wrap="none" anchor="ctr"/>
-            <a:lstStyle/>
-            <a:p>
-              <a:endParaRPr lang="en-US" dirty="0"/>
-            </a:p>
-          </p:txBody>
-        </p:sp>
-        <p:grpSp>
-          <p:nvGrpSpPr>
-            <p:cNvPr id="35922" name="Group 82"/>
-            <p:cNvGrpSpPr>
-              <a:grpSpLocks/>
-            </p:cNvGrpSpPr>
-            <p:nvPr/>
-          </p:nvGrpSpPr>
-          <p:grpSpPr bwMode="auto">
-            <a:xfrm rot="-2288454">
-              <a:off x="4838" y="1034"/>
-              <a:ext cx="348" cy="356"/>
-              <a:chOff x="887" y="2040"/>
-              <a:chExt cx="433" cy="422"/>
-            </a:xfrm>
-          </p:grpSpPr>
-          <p:pic>
-            <p:nvPicPr>
-              <p:cNvPr id="35923" name="Picture 83" descr="circuler_1"/>
-              <p:cNvPicPr>
-                <a:picLocks noChangeAspect="1" noChangeArrowheads="1"/>
-              </p:cNvPicPr>
-              <p:nvPr/>
-            </p:nvPicPr>
-            <p:blipFill>
-              <a:blip r:embed="rId3" cstate="print">
-                <a:extLst>
-                  <a:ext uri="{28A0092B-C50C-407E-A947-70E740481C1C}">
-                    <a14:useLocalDpi xmlns:a14="http://schemas.microsoft.com/office/drawing/2010/main" val="0"/>
-                  </a:ext>
-                </a:extLst>
-              </a:blip>
-              <a:srcRect/>
-              <a:stretch>
-                <a:fillRect/>
-              </a:stretch>
-            </p:blipFill>
-            <p:spPr bwMode="gray">
-              <a:xfrm>
-                <a:off x="887" y="2040"/>
-                <a:ext cx="430" cy="420"/>
-              </a:xfrm>
-              <a:prstGeom prst="rect">
-                <a:avLst/>
-              </a:prstGeom>
-              <a:noFill/>
-              <a:extLst>
-                <a:ext uri="{909E8E84-426E-40DD-AFC4-6F175D3DCCD1}">
-                  <a14:hiddenFill xmlns:a14="http://schemas.microsoft.com/office/drawing/2010/main">
-                    <a:solidFill>
-                      <a:srgbClr val="FFFFFF"/>
-                    </a:solidFill>
-                  </a14:hiddenFill>
-                </a:ext>
-              </a:extLst>
-            </p:spPr>
-          </p:pic>
-          <p:sp>
-            <p:nvSpPr>
-              <p:cNvPr id="35924" name="Oval 84"/>
-              <p:cNvSpPr>
-                <a:spLocks noChangeArrowheads="1"/>
-              </p:cNvSpPr>
-              <p:nvPr/>
-            </p:nvSpPr>
-            <p:spPr bwMode="gray">
-              <a:xfrm>
-                <a:off x="887" y="2040"/>
-                <a:ext cx="433" cy="422"/>
-              </a:xfrm>
-              <a:prstGeom prst="ellipse">
-                <a:avLst/>
-              </a:prstGeom>
-              <a:solidFill>
-                <a:srgbClr val="FB4F2D">
-                  <a:alpha val="75000"/>
-                </a:srgbClr>
-              </a:solidFill>
-              <a:ln>
-                <a:noFill/>
-              </a:ln>
-              <a:effectLst/>
-              <a:extLst>
-                <a:ext uri="{91240B29-F687-4F45-9708-019B960494DF}">
-                  <a14:hiddenLine xmlns:a14="http://schemas.microsoft.com/office/drawing/2010/main" w="9525" algn="ctr">
-                    <a:solidFill>
-                      <a:schemeClr val="tx1"/>
-                    </a:solidFill>
-                    <a:round/>
-                    <a:headEnd/>
-                    <a:tailEnd/>
-                  </a14:hiddenLine>
-                </a:ext>
-                <a:ext uri="{AF507438-7753-43E0-B8FC-AC1667EBCBE1}">
-                  <a14:hiddenEffects xmlns:a14="http://schemas.microsoft.com/office/drawing/2010/main">
-                    <a:effectLst>
-                      <a:outerShdw dist="35921" dir="2700000" algn="ctr" rotWithShape="0">
-                        <a:schemeClr val="bg2"/>
-                      </a:outerShdw>
-                    </a:effectLst>
-                  </a14:hiddenEffects>
-                </a:ext>
-              </a:extLst>
-            </p:spPr>
-            <p:txBody>
-              <a:bodyPr wrap="none" anchor="ctr"/>
-              <a:lstStyle/>
-              <a:p>
-                <a:endParaRPr lang="en-US" dirty="0"/>
-              </a:p>
-            </p:txBody>
-          </p:sp>
-          <p:pic>
-            <p:nvPicPr>
-              <p:cNvPr id="35925" name="Picture 85" descr="Picture2"/>
-              <p:cNvPicPr>
-                <a:picLocks noChangeAspect="1" noChangeArrowheads="1"/>
-              </p:cNvPicPr>
-              <p:nvPr/>
-            </p:nvPicPr>
-            <p:blipFill>
-              <a:blip r:embed="rId4" cstate="print">
-                <a:extLst>
-                  <a:ext uri="{28A0092B-C50C-407E-A947-70E740481C1C}">
-                    <a14:useLocalDpi xmlns:a14="http://schemas.microsoft.com/office/drawing/2010/main" val="0"/>
-                  </a:ext>
-                </a:extLst>
-              </a:blip>
-              <a:srcRect/>
-              <a:stretch>
-                <a:fillRect/>
-              </a:stretch>
-            </p:blipFill>
-            <p:spPr bwMode="gray">
-              <a:xfrm>
-                <a:off x="930" y="2044"/>
-                <a:ext cx="345" cy="149"/>
-              </a:xfrm>
-              <a:prstGeom prst="rect">
-                <a:avLst/>
-              </a:prstGeom>
-              <a:noFill/>
-              <a:extLst>
-                <a:ext uri="{909E8E84-426E-40DD-AFC4-6F175D3DCCD1}">
-                  <a14:hiddenFill xmlns:a14="http://schemas.microsoft.com/office/drawing/2010/main">
-                    <a:solidFill>
-                      <a:srgbClr val="FFFFFF"/>
-                    </a:solidFill>
-                  </a14:hiddenFill>
-                </a:ext>
-              </a:extLst>
-            </p:spPr>
-          </p:pic>
-        </p:grpSp>
-        <p:pic>
-          <p:nvPicPr>
-            <p:cNvPr id="35929" name="Picture 89"/>
-            <p:cNvPicPr>
-              <a:picLocks noChangeAspect="1" noChangeArrowheads="1"/>
-            </p:cNvPicPr>
-            <p:nvPr/>
-          </p:nvPicPr>
-          <p:blipFill>
-            <a:blip r:embed="rId5" cstate="print">
-              <a:extLst>
-                <a:ext uri="{28A0092B-C50C-407E-A947-70E740481C1C}">
-                  <a14:useLocalDpi xmlns:a14="http://schemas.microsoft.com/office/drawing/2010/main" val="0"/>
-                </a:ext>
-              </a:extLst>
-            </a:blip>
-            <a:srcRect l="12015" t="9302" r="12404" b="12598"/>
-            <a:stretch>
-              <a:fillRect/>
-            </a:stretch>
-          </p:blipFill>
-          <p:spPr bwMode="gray">
-            <a:xfrm>
-              <a:off x="4830" y="1020"/>
-              <a:ext cx="359" cy="370"/>
-            </a:xfrm>
-            <a:prstGeom prst="rect">
-              <a:avLst/>
-            </a:prstGeom>
-            <a:noFill/>
-            <a:ln>
-              <a:noFill/>
-            </a:ln>
-            <a:effectLst/>
-            <a:extLst>
-              <a:ext uri="{909E8E84-426E-40DD-AFC4-6F175D3DCCD1}">
-                <a14:hiddenFill xmlns:a14="http://schemas.microsoft.com/office/drawing/2010/main">
-                  <a:solidFill>
-                    <a:schemeClr val="accent1"/>
-                  </a:solidFill>
-                </a14:hiddenFill>
-              </a:ext>
-              <a:ext uri="{91240B29-F687-4F45-9708-019B960494DF}">
-                <a14:hiddenLine xmlns:a14="http://schemas.microsoft.com/office/drawing/2010/main" w="9525">
-                  <a:solidFill>
-                    <a:schemeClr val="tx1"/>
-                  </a:solidFill>
-                  <a:miter lim="800000"/>
-                  <a:headEnd/>
-                  <a:tailEnd/>
-                </a14:hiddenLine>
-              </a:ext>
-              <a:ext uri="{AF507438-7753-43E0-B8FC-AC1667EBCBE1}">
-                <a14:hiddenEffects xmlns:a14="http://schemas.microsoft.com/office/drawing/2010/main">
-                  <a:effectLst>
-                    <a:outerShdw dist="35921" dir="2700000" algn="ctr" rotWithShape="0">
-                      <a:schemeClr val="bg2"/>
-                    </a:outerShdw>
-                  </a:effectLst>
-                </a14:hiddenEffects>
-              </a:ext>
-            </a:extLst>
-          </p:spPr>
-        </p:pic>
-      </p:grpSp>
       <p:sp>
         <p:nvSpPr>
           <p:cNvPr id="5" name="Striped Right Arrow 4"/>
@@ -20836,7 +19871,7 @@
                                 </p:cTn>
                               </p:par>
                               <p:par>
-                                <p:cTn id="24" presetID="16" presetClass="entr" presetSubtype="21" fill="hold" nodeType="withEffect">
+                                <p:cTn id="24" presetID="2" presetClass="entr" presetSubtype="4" fill="hold" grpId="0" nodeType="withEffect">
                                   <p:stCondLst>
                                     <p:cond delay="0"/>
                                   </p:stCondLst>
@@ -20844,41 +19879,6 @@
                                     <p:set>
                                       <p:cBhvr>
                                         <p:cTn id="25" dur="1" fill="hold">
-                                          <p:stCondLst>
-                                            <p:cond delay="0"/>
-                                          </p:stCondLst>
-                                        </p:cTn>
-                                        <p:tgtEl>
-                                          <p:spTgt spid="35930"/>
-                                        </p:tgtEl>
-                                        <p:attrNameLst>
-                                          <p:attrName>style.visibility</p:attrName>
-                                        </p:attrNameLst>
-                                      </p:cBhvr>
-                                      <p:to>
-                                        <p:strVal val="visible"/>
-                                      </p:to>
-                                    </p:set>
-                                    <p:animEffect transition="in" filter="barn(inVertical)">
-                                      <p:cBhvr>
-                                        <p:cTn id="26" dur="500"/>
-                                        <p:tgtEl>
-                                          <p:spTgt spid="35930"/>
-                                        </p:tgtEl>
-                                      </p:cBhvr>
-                                    </p:animEffect>
-                                  </p:childTnLst>
-                                </p:cTn>
-                              </p:par>
-                              <p:par>
-                                <p:cTn id="27" presetID="2" presetClass="entr" presetSubtype="4" fill="hold" grpId="0" nodeType="withEffect">
-                                  <p:stCondLst>
-                                    <p:cond delay="0"/>
-                                  </p:stCondLst>
-                                  <p:childTnLst>
-                                    <p:set>
-                                      <p:cBhvr>
-                                        <p:cTn id="28" dur="1" fill="hold">
                                           <p:stCondLst>
                                             <p:cond delay="0"/>
                                           </p:stCondLst>
@@ -20896,7 +19896,7 @@
                                     </p:set>
                                     <p:anim calcmode="lin" valueType="num">
                                       <p:cBhvr additive="base">
-                                        <p:cTn id="29" dur="500" fill="hold"/>
+                                        <p:cTn id="26" dur="500" fill="hold"/>
                                         <p:tgtEl>
                                           <p:spTgt spid="35844"/>
                                         </p:tgtEl>
@@ -20919,7 +19919,7 @@
                                     </p:anim>
                                     <p:anim calcmode="lin" valueType="num">
                                       <p:cBhvr additive="base">
-                                        <p:cTn id="30" dur="500" fill="hold"/>
+                                        <p:cTn id="27" dur="500" fill="hold"/>
                                         <p:tgtEl>
                                           <p:spTgt spid="35844"/>
                                         </p:tgtEl>
@@ -20944,14 +19944,14 @@
                                 </p:cTn>
                               </p:par>
                               <p:par>
-                                <p:cTn id="31" presetID="2" presetClass="entr" presetSubtype="4" fill="hold" grpId="0" nodeType="withEffect">
+                                <p:cTn id="28" presetID="2" presetClass="entr" presetSubtype="4" fill="hold" grpId="0" nodeType="withEffect">
                                   <p:stCondLst>
                                     <p:cond delay="0"/>
                                   </p:stCondLst>
                                   <p:childTnLst>
                                     <p:set>
                                       <p:cBhvr>
-                                        <p:cTn id="32" dur="1" fill="hold">
+                                        <p:cTn id="29" dur="1" fill="hold">
                                           <p:stCondLst>
                                             <p:cond delay="0"/>
                                           </p:stCondLst>
@@ -20969,7 +19969,7 @@
                                     </p:set>
                                     <p:anim calcmode="lin" valueType="num">
                                       <p:cBhvr additive="base">
-                                        <p:cTn id="33" dur="500" fill="hold"/>
+                                        <p:cTn id="30" dur="500" fill="hold"/>
                                         <p:tgtEl>
                                           <p:spTgt spid="35849"/>
                                         </p:tgtEl>
@@ -20992,7 +19992,7 @@
                                     </p:anim>
                                     <p:anim calcmode="lin" valueType="num">
                                       <p:cBhvr additive="base">
-                                        <p:cTn id="34" dur="500" fill="hold"/>
+                                        <p:cTn id="31" dur="500" fill="hold"/>
                                         <p:tgtEl>
                                           <p:spTgt spid="35849"/>
                                         </p:tgtEl>
@@ -21017,14 +20017,14 @@
                                 </p:cTn>
                               </p:par>
                               <p:par>
-                                <p:cTn id="35" presetID="2" presetClass="entr" presetSubtype="4" fill="hold" grpId="0" nodeType="withEffect">
+                                <p:cTn id="32" presetID="2" presetClass="entr" presetSubtype="4" fill="hold" grpId="0" nodeType="withEffect">
                                   <p:stCondLst>
                                     <p:cond delay="0"/>
                                   </p:stCondLst>
                                   <p:childTnLst>
                                     <p:set>
                                       <p:cBhvr>
-                                        <p:cTn id="36" dur="1" fill="hold">
+                                        <p:cTn id="33" dur="1" fill="hold">
                                           <p:stCondLst>
                                             <p:cond delay="0"/>
                                           </p:stCondLst>
@@ -21042,7 +20042,7 @@
                                     </p:set>
                                     <p:anim calcmode="lin" valueType="num">
                                       <p:cBhvr additive="base">
-                                        <p:cTn id="37" dur="500" fill="hold"/>
+                                        <p:cTn id="34" dur="500" fill="hold"/>
                                         <p:tgtEl>
                                           <p:spTgt spid="35851"/>
                                         </p:tgtEl>
@@ -21065,7 +20065,7 @@
                                     </p:anim>
                                     <p:anim calcmode="lin" valueType="num">
                                       <p:cBhvr additive="base">
-                                        <p:cTn id="38" dur="500" fill="hold"/>
+                                        <p:cTn id="35" dur="500" fill="hold"/>
                                         <p:tgtEl>
                                           <p:spTgt spid="35851"/>
                                         </p:tgtEl>
@@ -21090,14 +20090,14 @@
                                 </p:cTn>
                               </p:par>
                               <p:par>
-                                <p:cTn id="39" presetID="2" presetClass="entr" presetSubtype="4" fill="hold" grpId="0" nodeType="withEffect">
+                                <p:cTn id="36" presetID="2" presetClass="entr" presetSubtype="4" fill="hold" grpId="0" nodeType="withEffect">
                                   <p:stCondLst>
                                     <p:cond delay="0"/>
                                   </p:stCondLst>
                                   <p:childTnLst>
                                     <p:set>
                                       <p:cBhvr>
-                                        <p:cTn id="40" dur="1" fill="hold">
+                                        <p:cTn id="37" dur="1" fill="hold">
                                           <p:stCondLst>
                                             <p:cond delay="0"/>
                                           </p:stCondLst>
@@ -21115,7 +20115,7 @@
                                     </p:set>
                                     <p:anim calcmode="lin" valueType="num">
                                       <p:cBhvr additive="base">
-                                        <p:cTn id="41" dur="500" fill="hold"/>
+                                        <p:cTn id="38" dur="500" fill="hold"/>
                                         <p:tgtEl>
                                           <p:spTgt spid="35853"/>
                                         </p:tgtEl>
@@ -21138,7 +20138,7 @@
                                     </p:anim>
                                     <p:anim calcmode="lin" valueType="num">
                                       <p:cBhvr additive="base">
-                                        <p:cTn id="42" dur="500" fill="hold"/>
+                                        <p:cTn id="39" dur="500" fill="hold"/>
                                         <p:tgtEl>
                                           <p:spTgt spid="35853"/>
                                         </p:tgtEl>
@@ -21163,87 +20163,14 @@
                                 </p:cTn>
                               </p:par>
                               <p:par>
-                                <p:cTn id="43" presetID="2" presetClass="entr" presetSubtype="4" fill="hold" grpId="0" nodeType="withEffect">
+                                <p:cTn id="40" presetID="53" presetClass="entr" presetSubtype="16" fill="hold" grpId="0" nodeType="withEffect">
                                   <p:stCondLst>
                                     <p:cond delay="0"/>
                                   </p:stCondLst>
                                   <p:childTnLst>
                                     <p:set>
                                       <p:cBhvr>
-                                        <p:cTn id="44" dur="1" fill="hold">
-                                          <p:stCondLst>
-                                            <p:cond delay="0"/>
-                                          </p:stCondLst>
-                                        </p:cTn>
-                                        <p:tgtEl>
-                                          <p:spTgt spid="35842"/>
-                                        </p:tgtEl>
-                                        <p:attrNameLst>
-                                          <p:attrName>style.visibility</p:attrName>
-                                        </p:attrNameLst>
-                                      </p:cBhvr>
-                                      <p:to>
-                                        <p:strVal val="visible"/>
-                                      </p:to>
-                                    </p:set>
-                                    <p:anim calcmode="lin" valueType="num">
-                                      <p:cBhvr additive="base">
-                                        <p:cTn id="45" dur="500" fill="hold"/>
-                                        <p:tgtEl>
-                                          <p:spTgt spid="35842"/>
-                                        </p:tgtEl>
-                                        <p:attrNameLst>
-                                          <p:attrName>ppt_x</p:attrName>
-                                        </p:attrNameLst>
-                                      </p:cBhvr>
-                                      <p:tavLst>
-                                        <p:tav tm="0">
-                                          <p:val>
-                                            <p:strVal val="#ppt_x"/>
-                                          </p:val>
-                                        </p:tav>
-                                        <p:tav tm="100000">
-                                          <p:val>
-                                            <p:strVal val="#ppt_x"/>
-                                          </p:val>
-                                        </p:tav>
-                                      </p:tavLst>
-                                    </p:anim>
-                                    <p:anim calcmode="lin" valueType="num">
-                                      <p:cBhvr additive="base">
-                                        <p:cTn id="46" dur="500" fill="hold"/>
-                                        <p:tgtEl>
-                                          <p:spTgt spid="35842"/>
-                                        </p:tgtEl>
-                                        <p:attrNameLst>
-                                          <p:attrName>ppt_y</p:attrName>
-                                        </p:attrNameLst>
-                                      </p:cBhvr>
-                                      <p:tavLst>
-                                        <p:tav tm="0">
-                                          <p:val>
-                                            <p:strVal val="1+#ppt_h/2"/>
-                                          </p:val>
-                                        </p:tav>
-                                        <p:tav tm="100000">
-                                          <p:val>
-                                            <p:strVal val="#ppt_y"/>
-                                          </p:val>
-                                        </p:tav>
-                                      </p:tavLst>
-                                    </p:anim>
-                                  </p:childTnLst>
-                                </p:cTn>
-                              </p:par>
-                              <p:par>
-                                <p:cTn id="47" presetID="53" presetClass="entr" presetSubtype="16" fill="hold" grpId="0" nodeType="withEffect">
-                                  <p:stCondLst>
-                                    <p:cond delay="0"/>
-                                  </p:stCondLst>
-                                  <p:childTnLst>
-                                    <p:set>
-                                      <p:cBhvr>
-                                        <p:cTn id="48" dur="1" fill="hold">
+                                        <p:cTn id="41" dur="1" fill="hold">
                                           <p:stCondLst>
                                             <p:cond delay="0"/>
                                           </p:stCondLst>
@@ -21261,7 +20188,7 @@
                                     </p:set>
                                     <p:anim calcmode="lin" valueType="num">
                                       <p:cBhvr>
-                                        <p:cTn id="49" dur="500" fill="hold"/>
+                                        <p:cTn id="42" dur="500" fill="hold"/>
                                         <p:tgtEl>
                                           <p:spTgt spid="35848"/>
                                         </p:tgtEl>
@@ -21284,7 +20211,7 @@
                                     </p:anim>
                                     <p:anim calcmode="lin" valueType="num">
                                       <p:cBhvr>
-                                        <p:cTn id="50" dur="500" fill="hold"/>
+                                        <p:cTn id="43" dur="500" fill="hold"/>
                                         <p:tgtEl>
                                           <p:spTgt spid="35848"/>
                                         </p:tgtEl>
@@ -21307,7 +20234,7 @@
                                     </p:anim>
                                     <p:animEffect transition="in" filter="fade">
                                       <p:cBhvr>
-                                        <p:cTn id="51" dur="500"/>
+                                        <p:cTn id="44" dur="500"/>
                                         <p:tgtEl>
                                           <p:spTgt spid="35848"/>
                                         </p:tgtEl>
@@ -21317,14 +20244,14 @@
                                 </p:cTn>
                               </p:par>
                               <p:par>
-                                <p:cTn id="52" presetID="53" presetClass="entr" presetSubtype="16" fill="hold" grpId="0" nodeType="withEffect">
+                                <p:cTn id="45" presetID="53" presetClass="entr" presetSubtype="16" fill="hold" grpId="0" nodeType="withEffect">
                                   <p:stCondLst>
                                     <p:cond delay="0"/>
                                   </p:stCondLst>
                                   <p:childTnLst>
                                     <p:set>
                                       <p:cBhvr>
-                                        <p:cTn id="53" dur="1" fill="hold">
+                                        <p:cTn id="46" dur="1" fill="hold">
                                           <p:stCondLst>
                                             <p:cond delay="0"/>
                                           </p:stCondLst>
@@ -21342,7 +20269,7 @@
                                     </p:set>
                                     <p:anim calcmode="lin" valueType="num">
                                       <p:cBhvr>
-                                        <p:cTn id="54" dur="500" fill="hold"/>
+                                        <p:cTn id="47" dur="500" fill="hold"/>
                                         <p:tgtEl>
                                           <p:spTgt spid="35850"/>
                                         </p:tgtEl>
@@ -21365,7 +20292,7 @@
                                     </p:anim>
                                     <p:anim calcmode="lin" valueType="num">
                                       <p:cBhvr>
-                                        <p:cTn id="55" dur="500" fill="hold"/>
+                                        <p:cTn id="48" dur="500" fill="hold"/>
                                         <p:tgtEl>
                                           <p:spTgt spid="35850"/>
                                         </p:tgtEl>
@@ -21388,7 +20315,7 @@
                                     </p:anim>
                                     <p:animEffect transition="in" filter="fade">
                                       <p:cBhvr>
-                                        <p:cTn id="56" dur="500"/>
+                                        <p:cTn id="49" dur="500"/>
                                         <p:tgtEl>
                                           <p:spTgt spid="35850"/>
                                         </p:tgtEl>
@@ -21398,14 +20325,14 @@
                                 </p:cTn>
                               </p:par>
                               <p:par>
-                                <p:cTn id="57" presetID="53" presetClass="entr" presetSubtype="16" fill="hold" grpId="0" nodeType="withEffect">
+                                <p:cTn id="50" presetID="53" presetClass="entr" presetSubtype="16" fill="hold" grpId="0" nodeType="withEffect">
                                   <p:stCondLst>
                                     <p:cond delay="0"/>
                                   </p:stCondLst>
                                   <p:childTnLst>
                                     <p:set>
                                       <p:cBhvr>
-                                        <p:cTn id="58" dur="1" fill="hold">
+                                        <p:cTn id="51" dur="1" fill="hold">
                                           <p:stCondLst>
                                             <p:cond delay="0"/>
                                           </p:stCondLst>
@@ -21423,7 +20350,7 @@
                                     </p:set>
                                     <p:anim calcmode="lin" valueType="num">
                                       <p:cBhvr>
-                                        <p:cTn id="59" dur="500" fill="hold"/>
+                                        <p:cTn id="52" dur="500" fill="hold"/>
                                         <p:tgtEl>
                                           <p:spTgt spid="35852"/>
                                         </p:tgtEl>
@@ -21446,7 +20373,7 @@
                                     </p:anim>
                                     <p:anim calcmode="lin" valueType="num">
                                       <p:cBhvr>
-                                        <p:cTn id="60" dur="500" fill="hold"/>
+                                        <p:cTn id="53" dur="500" fill="hold"/>
                                         <p:tgtEl>
                                           <p:spTgt spid="35852"/>
                                         </p:tgtEl>
@@ -21469,7 +20396,7 @@
                                     </p:anim>
                                     <p:animEffect transition="in" filter="fade">
                                       <p:cBhvr>
-                                        <p:cTn id="61" dur="500"/>
+                                        <p:cTn id="54" dur="500"/>
                                         <p:tgtEl>
                                           <p:spTgt spid="35852"/>
                                         </p:tgtEl>
@@ -21479,14 +20406,14 @@
                                 </p:cTn>
                               </p:par>
                               <p:par>
-                                <p:cTn id="62" presetID="53" presetClass="entr" presetSubtype="16" fill="hold" grpId="0" nodeType="withEffect">
+                                <p:cTn id="55" presetID="53" presetClass="entr" presetSubtype="16" fill="hold" grpId="0" nodeType="withEffect">
                                   <p:stCondLst>
                                     <p:cond delay="0"/>
                                   </p:stCondLst>
                                   <p:childTnLst>
                                     <p:set>
                                       <p:cBhvr>
-                                        <p:cTn id="63" dur="1" fill="hold">
+                                        <p:cTn id="56" dur="1" fill="hold">
                                           <p:stCondLst>
                                             <p:cond delay="0"/>
                                           </p:stCondLst>
@@ -21504,7 +20431,7 @@
                                     </p:set>
                                     <p:anim calcmode="lin" valueType="num">
                                       <p:cBhvr>
-                                        <p:cTn id="64" dur="500" fill="hold"/>
+                                        <p:cTn id="57" dur="500" fill="hold"/>
                                         <p:tgtEl>
                                           <p:spTgt spid="35854"/>
                                         </p:tgtEl>
@@ -21527,7 +20454,7 @@
                                     </p:anim>
                                     <p:anim calcmode="lin" valueType="num">
                                       <p:cBhvr>
-                                        <p:cTn id="65" dur="500" fill="hold"/>
+                                        <p:cTn id="58" dur="500" fill="hold"/>
                                         <p:tgtEl>
                                           <p:spTgt spid="35854"/>
                                         </p:tgtEl>
@@ -21550,90 +20477,9 @@
                                     </p:anim>
                                     <p:animEffect transition="in" filter="fade">
                                       <p:cBhvr>
-                                        <p:cTn id="66" dur="500"/>
+                                        <p:cTn id="59" dur="500"/>
                                         <p:tgtEl>
                                           <p:spTgt spid="35854"/>
-                                        </p:tgtEl>
-                                      </p:cBhvr>
-                                    </p:animEffect>
-                                  </p:childTnLst>
-                                </p:cTn>
-                              </p:par>
-                              <p:par>
-                                <p:cTn id="67" presetID="53" presetClass="entr" presetSubtype="16" fill="hold" grpId="0" nodeType="withEffect">
-                                  <p:stCondLst>
-                                    <p:cond delay="0"/>
-                                  </p:stCondLst>
-                                  <p:childTnLst>
-                                    <p:set>
-                                      <p:cBhvr>
-                                        <p:cTn id="68" dur="1" fill="hold">
-                                          <p:stCondLst>
-                                            <p:cond delay="0"/>
-                                          </p:stCondLst>
-                                        </p:cTn>
-                                        <p:tgtEl>
-                                          <p:spTgt spid="35843"/>
-                                        </p:tgtEl>
-                                        <p:attrNameLst>
-                                          <p:attrName>style.visibility</p:attrName>
-                                        </p:attrNameLst>
-                                      </p:cBhvr>
-                                      <p:to>
-                                        <p:strVal val="visible"/>
-                                      </p:to>
-                                    </p:set>
-                                    <p:anim calcmode="lin" valueType="num">
-                                      <p:cBhvr>
-                                        <p:cTn id="69" dur="500" fill="hold"/>
-                                        <p:tgtEl>
-                                          <p:spTgt spid="35843"/>
-                                        </p:tgtEl>
-                                        <p:attrNameLst>
-                                          <p:attrName>ppt_w</p:attrName>
-                                        </p:attrNameLst>
-                                      </p:cBhvr>
-                                      <p:tavLst>
-                                        <p:tav tm="0">
-                                          <p:val>
-                                            <p:fltVal val="0"/>
-                                          </p:val>
-                                        </p:tav>
-                                        <p:tav tm="100000">
-                                          <p:val>
-                                            <p:strVal val="#ppt_w"/>
-                                          </p:val>
-                                        </p:tav>
-                                      </p:tavLst>
-                                    </p:anim>
-                                    <p:anim calcmode="lin" valueType="num">
-                                      <p:cBhvr>
-                                        <p:cTn id="70" dur="500" fill="hold"/>
-                                        <p:tgtEl>
-                                          <p:spTgt spid="35843"/>
-                                        </p:tgtEl>
-                                        <p:attrNameLst>
-                                          <p:attrName>ppt_h</p:attrName>
-                                        </p:attrNameLst>
-                                      </p:cBhvr>
-                                      <p:tavLst>
-                                        <p:tav tm="0">
-                                          <p:val>
-                                            <p:fltVal val="0"/>
-                                          </p:val>
-                                        </p:tav>
-                                        <p:tav tm="100000">
-                                          <p:val>
-                                            <p:strVal val="#ppt_h"/>
-                                          </p:val>
-                                        </p:tav>
-                                      </p:tavLst>
-                                    </p:anim>
-                                    <p:animEffect transition="in" filter="fade">
-                                      <p:cBhvr>
-                                        <p:cTn id="71" dur="500"/>
-                                        <p:tgtEl>
-                                          <p:spTgt spid="35843"/>
                                         </p:tgtEl>
                                       </p:cBhvr>
                                     </p:animEffect>
@@ -21647,26 +20493,26 @@
                     </p:cTn>
                   </p:par>
                   <p:par>
-                    <p:cTn id="72" fill="hold">
+                    <p:cTn id="60" fill="hold">
                       <p:stCondLst>
                         <p:cond delay="indefinite"/>
                       </p:stCondLst>
                       <p:childTnLst>
                         <p:par>
-                          <p:cTn id="73" fill="hold">
+                          <p:cTn id="61" fill="hold">
                             <p:stCondLst>
                               <p:cond delay="0"/>
                             </p:stCondLst>
                             <p:childTnLst>
                               <p:par>
-                                <p:cTn id="74" presetID="14" presetClass="entr" presetSubtype="10" fill="hold" grpId="0" nodeType="clickEffect">
+                                <p:cTn id="62" presetID="14" presetClass="entr" presetSubtype="10" fill="hold" grpId="0" nodeType="clickEffect">
                                   <p:stCondLst>
                                     <p:cond delay="0"/>
                                   </p:stCondLst>
                                   <p:childTnLst>
                                     <p:set>
                                       <p:cBhvr>
-                                        <p:cTn id="75" dur="1" fill="hold">
+                                        <p:cTn id="63" dur="1" fill="hold">
                                           <p:stCondLst>
                                             <p:cond delay="0"/>
                                           </p:stCondLst>
@@ -21684,7 +20530,7 @@
                                     </p:set>
                                     <p:animEffect transition="in" filter="randombar(horizontal)">
                                       <p:cBhvr>
-                                        <p:cTn id="76" dur="500"/>
+                                        <p:cTn id="64" dur="500"/>
                                         <p:tgtEl>
                                           <p:spTgt spid="5"/>
                                         </p:tgtEl>
@@ -21721,8 +20567,6 @@
       </p:par>
     </p:tnLst>
     <p:bldLst>
-      <p:bldP spid="35842" grpId="0" animBg="1"/>
-      <p:bldP spid="35843" grpId="0"/>
       <p:bldP spid="35844" grpId="0" animBg="1"/>
       <p:bldP spid="35848" grpId="0"/>
       <p:bldP spid="35849" grpId="0" animBg="1"/>
@@ -21738,632 +20582,6 @@
 </file>
 
 <file path=ppt/slides/slide3.xml><?xml version="1.0" encoding="utf-8"?>
-<p:sld xmlns:a="http://schemas.openxmlformats.org/drawingml/2006/main" xmlns:r="http://schemas.openxmlformats.org/officeDocument/2006/relationships" xmlns:p="http://schemas.openxmlformats.org/presentationml/2006/main">
-  <p:cSld>
-    <p:spTree>
-      <p:nvGrpSpPr>
-        <p:cNvPr id="1" name=""/>
-        <p:cNvGrpSpPr/>
-        <p:nvPr/>
-      </p:nvGrpSpPr>
-      <p:grpSpPr>
-        <a:xfrm>
-          <a:off x="0" y="0"/>
-          <a:ext cx="0" cy="0"/>
-          <a:chOff x="0" y="0"/>
-          <a:chExt cx="0" cy="0"/>
-        </a:xfrm>
-      </p:grpSpPr>
-      <p:sp>
-        <p:nvSpPr>
-          <p:cNvPr id="2" name="Title 1"/>
-          <p:cNvSpPr>
-            <a:spLocks noGrp="1"/>
-          </p:cNvSpPr>
-          <p:nvPr>
-            <p:ph type="title"/>
-          </p:nvPr>
-        </p:nvSpPr>
-        <p:spPr/>
-        <p:txBody>
-          <a:bodyPr/>
-          <a:lstStyle/>
-          <a:p>
-            <a:r>
-              <a:rPr lang="en-US" dirty="0" smtClean="0"/>
-              <a:t>Metrics</a:t>
-            </a:r>
-            <a:endParaRPr lang="en-US" dirty="0"/>
-          </a:p>
-        </p:txBody>
-      </p:sp>
-      <p:sp>
-        <p:nvSpPr>
-          <p:cNvPr id="3" name="Content Placeholder 2"/>
-          <p:cNvSpPr>
-            <a:spLocks noGrp="1"/>
-          </p:cNvSpPr>
-          <p:nvPr>
-            <p:ph idx="1"/>
-          </p:nvPr>
-        </p:nvSpPr>
-        <p:spPr>
-          <a:xfrm>
-            <a:off x="685800" y="2209800"/>
-            <a:ext cx="7086600" cy="2667000"/>
-          </a:xfrm>
-        </p:spPr>
-        <p:txBody>
-          <a:bodyPr/>
-          <a:lstStyle/>
-          <a:p>
-            <a:pPr lvl="1">
-              <a:buFont typeface="Wingdings" pitchFamily="2" charset="2"/>
-              <a:buChar char="q"/>
-            </a:pPr>
-            <a:r>
-              <a:rPr lang="en-US" b="1" dirty="0">
-                <a:solidFill>
-                  <a:schemeClr val="tx1"/>
-                </a:solidFill>
-                <a:latin typeface="+mn-lt"/>
-              </a:rPr>
-              <a:t>Intended </a:t>
-            </a:r>
-            <a:r>
-              <a:rPr lang="en-US" b="1" dirty="0" smtClean="0">
-                <a:solidFill>
-                  <a:schemeClr val="tx1"/>
-                </a:solidFill>
-                <a:latin typeface="+mn-lt"/>
-              </a:rPr>
-              <a:t>Audience</a:t>
-            </a:r>
-          </a:p>
-          <a:p>
-            <a:pPr lvl="2">
-              <a:buFont typeface="Wingdings" pitchFamily="2" charset="2"/>
-              <a:buChar char="q"/>
-            </a:pPr>
-            <a:r>
-              <a:rPr lang="en-US" dirty="0" smtClean="0">
-                <a:solidFill>
-                  <a:schemeClr val="tx1"/>
-                </a:solidFill>
-                <a:latin typeface="+mn-lt"/>
-              </a:rPr>
-              <a:t>Functional Test Manager </a:t>
-            </a:r>
-            <a:endParaRPr lang="en-US" b="1" dirty="0" smtClean="0">
-              <a:solidFill>
-                <a:schemeClr val="tx1"/>
-              </a:solidFill>
-              <a:latin typeface="+mn-lt"/>
-            </a:endParaRPr>
-          </a:p>
-          <a:p>
-            <a:pPr lvl="2">
-              <a:buFont typeface="Wingdings" pitchFamily="2" charset="2"/>
-              <a:buChar char="q"/>
-            </a:pPr>
-            <a:r>
-              <a:rPr lang="en-US" dirty="0" smtClean="0">
-                <a:solidFill>
-                  <a:schemeClr val="tx1"/>
-                </a:solidFill>
-                <a:latin typeface="+mn-lt"/>
-                <a:ea typeface="+mn-ea"/>
-                <a:cs typeface="+mn-cs"/>
-              </a:rPr>
-              <a:t>Project Manager </a:t>
-            </a:r>
-          </a:p>
-          <a:p>
-            <a:pPr lvl="2">
-              <a:buFont typeface="Wingdings" pitchFamily="2" charset="2"/>
-              <a:buChar char="q"/>
-            </a:pPr>
-            <a:r>
-              <a:rPr lang="en-US" dirty="0" smtClean="0">
-                <a:solidFill>
-                  <a:schemeClr val="tx1"/>
-                </a:solidFill>
-                <a:latin typeface="+mn-lt"/>
-                <a:ea typeface="+mn-ea"/>
-                <a:cs typeface="+mn-cs"/>
-              </a:rPr>
-              <a:t>Change Control Board (CCB) </a:t>
-            </a:r>
-          </a:p>
-          <a:p>
-            <a:pPr lvl="2">
-              <a:buFont typeface="Wingdings" pitchFamily="2" charset="2"/>
-              <a:buChar char="q"/>
-            </a:pPr>
-            <a:r>
-              <a:rPr lang="en-US" dirty="0" smtClean="0">
-                <a:solidFill>
-                  <a:schemeClr val="tx1"/>
-                </a:solidFill>
-                <a:latin typeface="+mn-lt"/>
-                <a:ea typeface="+mn-ea"/>
-                <a:cs typeface="+mn-cs"/>
-              </a:rPr>
-              <a:t>Functional test team members </a:t>
-            </a:r>
-          </a:p>
-          <a:p>
-            <a:pPr lvl="2">
-              <a:buFont typeface="Wingdings" pitchFamily="2" charset="2"/>
-              <a:buChar char="q"/>
-            </a:pPr>
-            <a:endParaRPr lang="en-US" b="1" dirty="0" smtClean="0">
-              <a:solidFill>
-                <a:schemeClr val="tx1"/>
-              </a:solidFill>
-              <a:latin typeface="+mn-lt"/>
-            </a:endParaRPr>
-          </a:p>
-        </p:txBody>
-      </p:sp>
-      <p:pic>
-        <p:nvPicPr>
-          <p:cNvPr id="4" name="Picture 59" descr="C:\Users\VOTINH\Desktop\HIT-hk2-N3\Logo HIT\HIT-Big.png"/>
-          <p:cNvPicPr>
-            <a:picLocks noChangeAspect="1" noChangeArrowheads="1"/>
-          </p:cNvPicPr>
-          <p:nvPr/>
-        </p:nvPicPr>
-        <p:blipFill>
-          <a:blip r:embed="rId2" cstate="print">
-            <a:extLst>
-              <a:ext uri="{28A0092B-C50C-407E-A947-70E740481C1C}">
-                <a14:useLocalDpi xmlns:a14="http://schemas.microsoft.com/office/drawing/2010/main" val="0"/>
-              </a:ext>
-            </a:extLst>
-          </a:blip>
-          <a:srcRect/>
-          <a:stretch>
-            <a:fillRect/>
-          </a:stretch>
-        </p:blipFill>
-        <p:spPr bwMode="auto">
-          <a:xfrm>
-            <a:off x="7814694" y="5800298"/>
-            <a:ext cx="1611954" cy="1209055"/>
-          </a:xfrm>
-          <a:prstGeom prst="rect">
-            <a:avLst/>
-          </a:prstGeom>
-          <a:noFill/>
-          <a:extLst>
-            <a:ext uri="{909E8E84-426E-40DD-AFC4-6F175D3DCCD1}">
-              <a14:hiddenFill xmlns:a14="http://schemas.microsoft.com/office/drawing/2010/main">
-                <a:solidFill>
-                  <a:srgbClr val="FFFFFF"/>
-                </a:solidFill>
-              </a14:hiddenFill>
-            </a:ext>
-          </a:extLst>
-        </p:spPr>
-      </p:pic>
-    </p:spTree>
-    <p:extLst>
-      <p:ext uri="{BB962C8B-B14F-4D97-AF65-F5344CB8AC3E}">
-        <p14:creationId xmlns:p14="http://schemas.microsoft.com/office/powerpoint/2010/main" val="182109073"/>
-      </p:ext>
-    </p:extLst>
-  </p:cSld>
-  <p:clrMapOvr>
-    <a:masterClrMapping/>
-  </p:clrMapOvr>
-  <mc:AlternateContent xmlns:mc="http://schemas.openxmlformats.org/markup-compatibility/2006">
-    <mc:Choice xmlns:p14="http://schemas.microsoft.com/office/powerpoint/2010/main" Requires="p14">
-      <p:transition p14:dur="250">
-        <p:randomBar dir="vert"/>
-      </p:transition>
-    </mc:Choice>
-    <mc:Fallback>
-      <p:transition>
-        <p:randomBar dir="vert"/>
-      </p:transition>
-    </mc:Fallback>
-  </mc:AlternateContent>
-  <p:timing>
-    <p:tnLst>
-      <p:par>
-        <p:cTn id="1" dur="indefinite" restart="never" nodeType="tmRoot">
-          <p:childTnLst>
-            <p:seq concurrent="1" nextAc="seek">
-              <p:cTn id="2" dur="indefinite" nodeType="mainSeq">
-                <p:childTnLst>
-                  <p:par>
-                    <p:cTn id="3" fill="hold">
-                      <p:stCondLst>
-                        <p:cond delay="indefinite"/>
-                        <p:cond evt="onBegin" delay="0">
-                          <p:tn val="2"/>
-                        </p:cond>
-                      </p:stCondLst>
-                      <p:childTnLst>
-                        <p:par>
-                          <p:cTn id="4" fill="hold">
-                            <p:stCondLst>
-                              <p:cond delay="0"/>
-                            </p:stCondLst>
-                            <p:childTnLst>
-                              <p:par>
-                                <p:cTn id="5" presetID="42" presetClass="entr" presetSubtype="0" fill="hold" nodeType="afterEffect">
-                                  <p:stCondLst>
-                                    <p:cond delay="0"/>
-                                  </p:stCondLst>
-                                  <p:childTnLst>
-                                    <p:set>
-                                      <p:cBhvr>
-                                        <p:cTn id="6" dur="1" fill="hold">
-                                          <p:stCondLst>
-                                            <p:cond delay="0"/>
-                                          </p:stCondLst>
-                                        </p:cTn>
-                                        <p:tgtEl>
-                                          <p:spTgt spid="3">
-                                            <p:txEl>
-                                              <p:pRg st="0" end="0"/>
-                                            </p:txEl>
-                                          </p:spTgt>
-                                        </p:tgtEl>
-                                        <p:attrNameLst>
-                                          <p:attrName>style.visibility</p:attrName>
-                                        </p:attrNameLst>
-                                      </p:cBhvr>
-                                      <p:to>
-                                        <p:strVal val="visible"/>
-                                      </p:to>
-                                    </p:set>
-                                    <p:animEffect transition="in" filter="fade">
-                                      <p:cBhvr>
-                                        <p:cTn id="7" dur="1000"/>
-                                        <p:tgtEl>
-                                          <p:spTgt spid="3">
-                                            <p:txEl>
-                                              <p:pRg st="0" end="0"/>
-                                            </p:txEl>
-                                          </p:spTgt>
-                                        </p:tgtEl>
-                                      </p:cBhvr>
-                                    </p:animEffect>
-                                    <p:anim calcmode="lin" valueType="num">
-                                      <p:cBhvr>
-                                        <p:cTn id="8" dur="1000" fill="hold"/>
-                                        <p:tgtEl>
-                                          <p:spTgt spid="3">
-                                            <p:txEl>
-                                              <p:pRg st="0" end="0"/>
-                                            </p:txEl>
-                                          </p:spTgt>
-                                        </p:tgtEl>
-                                        <p:attrNameLst>
-                                          <p:attrName>ppt_x</p:attrName>
-                                        </p:attrNameLst>
-                                      </p:cBhvr>
-                                      <p:tavLst>
-                                        <p:tav tm="0">
-                                          <p:val>
-                                            <p:strVal val="#ppt_x"/>
-                                          </p:val>
-                                        </p:tav>
-                                        <p:tav tm="100000">
-                                          <p:val>
-                                            <p:strVal val="#ppt_x"/>
-                                          </p:val>
-                                        </p:tav>
-                                      </p:tavLst>
-                                    </p:anim>
-                                    <p:anim calcmode="lin" valueType="num">
-                                      <p:cBhvr>
-                                        <p:cTn id="9" dur="1000" fill="hold"/>
-                                        <p:tgtEl>
-                                          <p:spTgt spid="3">
-                                            <p:txEl>
-                                              <p:pRg st="0" end="0"/>
-                                            </p:txEl>
-                                          </p:spTgt>
-                                        </p:tgtEl>
-                                        <p:attrNameLst>
-                                          <p:attrName>ppt_y</p:attrName>
-                                        </p:attrNameLst>
-                                      </p:cBhvr>
-                                      <p:tavLst>
-                                        <p:tav tm="0">
-                                          <p:val>
-                                            <p:strVal val="#ppt_y+.1"/>
-                                          </p:val>
-                                        </p:tav>
-                                        <p:tav tm="100000">
-                                          <p:val>
-                                            <p:strVal val="#ppt_y"/>
-                                          </p:val>
-                                        </p:tav>
-                                      </p:tavLst>
-                                    </p:anim>
-                                  </p:childTnLst>
-                                </p:cTn>
-                              </p:par>
-                            </p:childTnLst>
-                          </p:cTn>
-                        </p:par>
-                        <p:par>
-                          <p:cTn id="10" fill="hold">
-                            <p:stCondLst>
-                              <p:cond delay="1000"/>
-                            </p:stCondLst>
-                            <p:childTnLst>
-                              <p:par>
-                                <p:cTn id="11" presetID="16" presetClass="entr" presetSubtype="21" fill="hold" nodeType="afterEffect">
-                                  <p:stCondLst>
-                                    <p:cond delay="0"/>
-                                  </p:stCondLst>
-                                  <p:childTnLst>
-                                    <p:set>
-                                      <p:cBhvr>
-                                        <p:cTn id="12" dur="1" fill="hold">
-                                          <p:stCondLst>
-                                            <p:cond delay="0"/>
-                                          </p:stCondLst>
-                                        </p:cTn>
-                                        <p:tgtEl>
-                                          <p:spTgt spid="3">
-                                            <p:txEl>
-                                              <p:pRg st="1" end="1"/>
-                                            </p:txEl>
-                                          </p:spTgt>
-                                        </p:tgtEl>
-                                        <p:attrNameLst>
-                                          <p:attrName>style.visibility</p:attrName>
-                                        </p:attrNameLst>
-                                      </p:cBhvr>
-                                      <p:to>
-                                        <p:strVal val="visible"/>
-                                      </p:to>
-                                    </p:set>
-                                    <p:animEffect transition="in" filter="barn(inVertical)">
-                                      <p:cBhvr>
-                                        <p:cTn id="13" dur="500"/>
-                                        <p:tgtEl>
-                                          <p:spTgt spid="3">
-                                            <p:txEl>
-                                              <p:pRg st="1" end="1"/>
-                                            </p:txEl>
-                                          </p:spTgt>
-                                        </p:tgtEl>
-                                      </p:cBhvr>
-                                    </p:animEffect>
-                                  </p:childTnLst>
-                                </p:cTn>
-                              </p:par>
-                            </p:childTnLst>
-                          </p:cTn>
-                        </p:par>
-                        <p:par>
-                          <p:cTn id="14" fill="hold">
-                            <p:stCondLst>
-                              <p:cond delay="1500"/>
-                            </p:stCondLst>
-                            <p:childTnLst>
-                              <p:par>
-                                <p:cTn id="15" presetID="16" presetClass="entr" presetSubtype="21" fill="hold" nodeType="afterEffect">
-                                  <p:stCondLst>
-                                    <p:cond delay="0"/>
-                                  </p:stCondLst>
-                                  <p:childTnLst>
-                                    <p:set>
-                                      <p:cBhvr>
-                                        <p:cTn id="16" dur="1" fill="hold">
-                                          <p:stCondLst>
-                                            <p:cond delay="0"/>
-                                          </p:stCondLst>
-                                        </p:cTn>
-                                        <p:tgtEl>
-                                          <p:spTgt spid="3">
-                                            <p:txEl>
-                                              <p:pRg st="2" end="2"/>
-                                            </p:txEl>
-                                          </p:spTgt>
-                                        </p:tgtEl>
-                                        <p:attrNameLst>
-                                          <p:attrName>style.visibility</p:attrName>
-                                        </p:attrNameLst>
-                                      </p:cBhvr>
-                                      <p:to>
-                                        <p:strVal val="visible"/>
-                                      </p:to>
-                                    </p:set>
-                                    <p:animEffect transition="in" filter="barn(inVertical)">
-                                      <p:cBhvr>
-                                        <p:cTn id="17" dur="500"/>
-                                        <p:tgtEl>
-                                          <p:spTgt spid="3">
-                                            <p:txEl>
-                                              <p:pRg st="2" end="2"/>
-                                            </p:txEl>
-                                          </p:spTgt>
-                                        </p:tgtEl>
-                                      </p:cBhvr>
-                                    </p:animEffect>
-                                  </p:childTnLst>
-                                </p:cTn>
-                              </p:par>
-                            </p:childTnLst>
-                          </p:cTn>
-                        </p:par>
-                        <p:par>
-                          <p:cTn id="18" fill="hold">
-                            <p:stCondLst>
-                              <p:cond delay="2000"/>
-                            </p:stCondLst>
-                            <p:childTnLst>
-                              <p:par>
-                                <p:cTn id="19" presetID="16" presetClass="entr" presetSubtype="21" fill="hold" nodeType="afterEffect">
-                                  <p:stCondLst>
-                                    <p:cond delay="0"/>
-                                  </p:stCondLst>
-                                  <p:childTnLst>
-                                    <p:set>
-                                      <p:cBhvr>
-                                        <p:cTn id="20" dur="1" fill="hold">
-                                          <p:stCondLst>
-                                            <p:cond delay="0"/>
-                                          </p:stCondLst>
-                                        </p:cTn>
-                                        <p:tgtEl>
-                                          <p:spTgt spid="3">
-                                            <p:txEl>
-                                              <p:pRg st="3" end="3"/>
-                                            </p:txEl>
-                                          </p:spTgt>
-                                        </p:tgtEl>
-                                        <p:attrNameLst>
-                                          <p:attrName>style.visibility</p:attrName>
-                                        </p:attrNameLst>
-                                      </p:cBhvr>
-                                      <p:to>
-                                        <p:strVal val="visible"/>
-                                      </p:to>
-                                    </p:set>
-                                    <p:animEffect transition="in" filter="barn(inVertical)">
-                                      <p:cBhvr>
-                                        <p:cTn id="21" dur="500"/>
-                                        <p:tgtEl>
-                                          <p:spTgt spid="3">
-                                            <p:txEl>
-                                              <p:pRg st="3" end="3"/>
-                                            </p:txEl>
-                                          </p:spTgt>
-                                        </p:tgtEl>
-                                      </p:cBhvr>
-                                    </p:animEffect>
-                                  </p:childTnLst>
-                                </p:cTn>
-                              </p:par>
-                            </p:childTnLst>
-                          </p:cTn>
-                        </p:par>
-                        <p:par>
-                          <p:cTn id="22" fill="hold">
-                            <p:stCondLst>
-                              <p:cond delay="2500"/>
-                            </p:stCondLst>
-                            <p:childTnLst>
-                              <p:par>
-                                <p:cTn id="23" presetID="16" presetClass="entr" presetSubtype="21" fill="hold" nodeType="afterEffect">
-                                  <p:stCondLst>
-                                    <p:cond delay="0"/>
-                                  </p:stCondLst>
-                                  <p:childTnLst>
-                                    <p:set>
-                                      <p:cBhvr>
-                                        <p:cTn id="24" dur="1" fill="hold">
-                                          <p:stCondLst>
-                                            <p:cond delay="0"/>
-                                          </p:stCondLst>
-                                        </p:cTn>
-                                        <p:tgtEl>
-                                          <p:spTgt spid="3">
-                                            <p:txEl>
-                                              <p:pRg st="4" end="4"/>
-                                            </p:txEl>
-                                          </p:spTgt>
-                                        </p:tgtEl>
-                                        <p:attrNameLst>
-                                          <p:attrName>style.visibility</p:attrName>
-                                        </p:attrNameLst>
-                                      </p:cBhvr>
-                                      <p:to>
-                                        <p:strVal val="visible"/>
-                                      </p:to>
-                                    </p:set>
-                                    <p:animEffect transition="in" filter="barn(inVertical)">
-                                      <p:cBhvr>
-                                        <p:cTn id="25" dur="500"/>
-                                        <p:tgtEl>
-                                          <p:spTgt spid="3">
-                                            <p:txEl>
-                                              <p:pRg st="4" end="4"/>
-                                            </p:txEl>
-                                          </p:spTgt>
-                                        </p:tgtEl>
-                                      </p:cBhvr>
-                                    </p:animEffect>
-                                  </p:childTnLst>
-                                </p:cTn>
-                              </p:par>
-                              <p:par>
-                                <p:cTn id="26" presetID="16" presetClass="entr" presetSubtype="21" fill="hold" nodeType="withEffect">
-                                  <p:stCondLst>
-                                    <p:cond delay="0"/>
-                                  </p:stCondLst>
-                                  <p:childTnLst>
-                                    <p:set>
-                                      <p:cBhvr>
-                                        <p:cTn id="27" dur="1" fill="hold">
-                                          <p:stCondLst>
-                                            <p:cond delay="0"/>
-                                          </p:stCondLst>
-                                        </p:cTn>
-                                        <p:tgtEl>
-                                          <p:spTgt spid="4"/>
-                                        </p:tgtEl>
-                                        <p:attrNameLst>
-                                          <p:attrName>style.visibility</p:attrName>
-                                        </p:attrNameLst>
-                                      </p:cBhvr>
-                                      <p:to>
-                                        <p:strVal val="visible"/>
-                                      </p:to>
-                                    </p:set>
-                                    <p:animEffect transition="in" filter="barn(inVertical)">
-                                      <p:cBhvr>
-                                        <p:cTn id="28" dur="10"/>
-                                        <p:tgtEl>
-                                          <p:spTgt spid="4"/>
-                                        </p:tgtEl>
-                                      </p:cBhvr>
-                                    </p:animEffect>
-                                  </p:childTnLst>
-                                </p:cTn>
-                              </p:par>
-                            </p:childTnLst>
-                          </p:cTn>
-                        </p:par>
-                      </p:childTnLst>
-                    </p:cTn>
-                  </p:par>
-                </p:childTnLst>
-              </p:cTn>
-              <p:prevCondLst>
-                <p:cond evt="onPrev" delay="0">
-                  <p:tgtEl>
-                    <p:sldTgt/>
-                  </p:tgtEl>
-                </p:cond>
-              </p:prevCondLst>
-              <p:nextCondLst>
-                <p:cond evt="onNext" delay="0">
-                  <p:tgtEl>
-                    <p:sldTgt/>
-                  </p:tgtEl>
-                </p:cond>
-              </p:nextCondLst>
-            </p:seq>
-          </p:childTnLst>
-        </p:cTn>
-      </p:par>
-    </p:tnLst>
-  </p:timing>
-</p:sld>
-</file>
-
-<file path=ppt/slides/slide4.xml><?xml version="1.0" encoding="utf-8"?>
 <p:sld xmlns:a="http://schemas.openxmlformats.org/drawingml/2006/main" xmlns:r="http://schemas.openxmlformats.org/officeDocument/2006/relationships" xmlns:p="http://schemas.openxmlformats.org/presentationml/2006/main">
   <p:cSld>
     <p:spTree>
@@ -22531,7 +20749,7 @@
           <a:graphicData uri="http://schemas.openxmlformats.org/presentationml/2006/ole">
             <mc:AlternateContent xmlns:mc="http://schemas.openxmlformats.org/markup-compatibility/2006">
               <mc:Choice xmlns:v="urn:schemas-microsoft-com:vml" Requires="v">
-                <p:oleObj spid="_x0000_s135194" name="Visio" r:id="rId3" imgW="9431734" imgH="5026433" progId="Visio.Drawing.11">
+                <p:oleObj spid="_x0000_s135195" name="Visio" r:id="rId3" imgW="9431734" imgH="5026433" progId="Visio.Drawing.11">
                   <p:embed/>
                 </p:oleObj>
               </mc:Choice>
@@ -22586,13 +20804,13 @@
   <p:clrMapOvr>
     <a:masterClrMapping/>
   </p:clrMapOvr>
-  <mc:AlternateContent xmlns:mc="http://schemas.openxmlformats.org/markup-compatibility/2006">
-    <mc:Choice xmlns:p14="http://schemas.microsoft.com/office/powerpoint/2010/main" Requires="p14">
+  <mc:AlternateContent xmlns:mc="http://schemas.openxmlformats.org/markup-compatibility/2006" xmlns:p14="http://schemas.microsoft.com/office/powerpoint/2010/main">
+    <mc:Choice Requires="p14">
       <p:transition>
         <p14:flash/>
       </p:transition>
     </mc:Choice>
-    <mc:Fallback>
+    <mc:Fallback xmlns="">
       <p:transition>
         <p:fade/>
       </p:transition>
@@ -22608,7 +20826,7 @@
 </p:sld>
 </file>
 
-<file path=ppt/slides/slide5.xml><?xml version="1.0" encoding="utf-8"?>
+<file path=ppt/slides/slide4.xml><?xml version="1.0" encoding="utf-8"?>
 <p:sld xmlns:a="http://schemas.openxmlformats.org/drawingml/2006/main" xmlns:r="http://schemas.openxmlformats.org/officeDocument/2006/relationships" xmlns:p="http://schemas.openxmlformats.org/presentationml/2006/main">
   <p:cSld>
     <p:spTree>
@@ -22667,122 +20885,6 @@
           </a:extLst>
         </p:spPr>
       </p:pic>
-      <p:sp>
-        <p:nvSpPr>
-          <p:cNvPr id="35842" name="Line 2"/>
-          <p:cNvSpPr>
-            <a:spLocks noChangeShapeType="1"/>
-          </p:cNvSpPr>
-          <p:nvPr/>
-        </p:nvSpPr>
-        <p:spPr bwMode="black">
-          <a:xfrm>
-            <a:off x="2928938" y="5543550"/>
-            <a:ext cx="4800600" cy="0"/>
-          </a:xfrm>
-          <a:prstGeom prst="line">
-            <a:avLst/>
-          </a:prstGeom>
-          <a:noFill/>
-          <a:ln w="28575" cap="rnd">
-            <a:solidFill>
-              <a:schemeClr val="tx1"/>
-            </a:solidFill>
-            <a:prstDash val="sysDot"/>
-            <a:round/>
-            <a:headEnd/>
-            <a:tailEnd/>
-          </a:ln>
-          <a:effectLst/>
-          <a:extLst>
-            <a:ext uri="{909E8E84-426E-40DD-AFC4-6F175D3DCCD1}">
-              <a14:hiddenFill xmlns:a14="http://schemas.microsoft.com/office/drawing/2010/main">
-                <a:noFill/>
-              </a14:hiddenFill>
-            </a:ext>
-            <a:ext uri="{AF507438-7753-43E0-B8FC-AC1667EBCBE1}">
-              <a14:hiddenEffects xmlns:a14="http://schemas.microsoft.com/office/drawing/2010/main">
-                <a:effectLst>
-                  <a:outerShdw dist="35921" dir="2700000" algn="ctr" rotWithShape="0">
-                    <a:schemeClr val="bg2"/>
-                  </a:outerShdw>
-                </a:effectLst>
-              </a14:hiddenEffects>
-            </a:ext>
-          </a:extLst>
-        </p:spPr>
-        <p:txBody>
-          <a:bodyPr/>
-          <a:lstStyle/>
-          <a:p>
-            <a:endParaRPr lang="en-US" dirty="0"/>
-          </a:p>
-        </p:txBody>
-      </p:sp>
-      <p:sp>
-        <p:nvSpPr>
-          <p:cNvPr id="35843" name="Rectangle 3"/>
-          <p:cNvSpPr>
-            <a:spLocks noChangeArrowheads="1"/>
-          </p:cNvSpPr>
-          <p:nvPr/>
-        </p:nvSpPr>
-        <p:spPr bwMode="black">
-          <a:xfrm>
-            <a:off x="3614738" y="5162550"/>
-            <a:ext cx="3552825" cy="369332"/>
-          </a:xfrm>
-          <a:prstGeom prst="rect">
-            <a:avLst/>
-          </a:prstGeom>
-          <a:noFill/>
-          <a:ln>
-            <a:noFill/>
-          </a:ln>
-          <a:effectLst/>
-          <a:extLst>
-            <a:ext uri="{909E8E84-426E-40DD-AFC4-6F175D3DCCD1}">
-              <a14:hiddenFill xmlns:a14="http://schemas.microsoft.com/office/drawing/2010/main">
-                <a:solidFill>
-                  <a:schemeClr val="accent1"/>
-                </a:solidFill>
-              </a14:hiddenFill>
-            </a:ext>
-            <a:ext uri="{91240B29-F687-4F45-9708-019B960494DF}">
-              <a14:hiddenLine xmlns:a14="http://schemas.microsoft.com/office/drawing/2010/main" w="9525">
-                <a:solidFill>
-                  <a:schemeClr val="tx1"/>
-                </a:solidFill>
-                <a:miter lim="800000"/>
-                <a:headEnd/>
-                <a:tailEnd/>
-              </a14:hiddenLine>
-            </a:ext>
-            <a:ext uri="{AF507438-7753-43E0-B8FC-AC1667EBCBE1}">
-              <a14:hiddenEffects xmlns:a14="http://schemas.microsoft.com/office/drawing/2010/main">
-                <a:effectLst>
-                  <a:outerShdw dist="35921" dir="2700000" algn="ctr" rotWithShape="0">
-                    <a:schemeClr val="bg2"/>
-                  </a:outerShdw>
-                </a:effectLst>
-              </a14:hiddenEffects>
-            </a:ext>
-          </a:extLst>
-        </p:spPr>
-        <p:txBody>
-          <a:bodyPr>
-            <a:spAutoFit/>
-          </a:bodyPr>
-          <a:lstStyle/>
-          <a:p>
-            <a:pPr lvl="0"/>
-            <a:r>
-              <a:rPr lang="en-US" dirty="0"/>
-              <a:t>Related Document</a:t>
-            </a:r>
-          </a:p>
-        </p:txBody>
-      </p:sp>
       <p:sp>
         <p:nvSpPr>
           <p:cNvPr id="35844" name="Line 4"/>
@@ -24541,303 +22643,6 @@
           </p:spPr>
         </p:pic>
       </p:grpSp>
-      <p:grpSp>
-        <p:nvGrpSpPr>
-          <p:cNvPr id="35930" name="Group 90"/>
-          <p:cNvGrpSpPr>
-            <a:grpSpLocks/>
-          </p:cNvGrpSpPr>
-          <p:nvPr/>
-        </p:nvGrpSpPr>
-        <p:grpSpPr bwMode="auto">
-          <a:xfrm>
-            <a:off x="2732088" y="5148263"/>
-            <a:ext cx="393700" cy="393700"/>
-            <a:chOff x="4803" y="1006"/>
-            <a:chExt cx="416" cy="416"/>
-          </a:xfrm>
-        </p:grpSpPr>
-        <p:sp>
-          <p:nvSpPr>
-            <p:cNvPr id="35921" name="Oval 81"/>
-            <p:cNvSpPr>
-              <a:spLocks noChangeArrowheads="1"/>
-            </p:cNvSpPr>
-            <p:nvPr/>
-          </p:nvSpPr>
-          <p:spPr bwMode="gray">
-            <a:xfrm>
-              <a:off x="4803" y="1006"/>
-              <a:ext cx="416" cy="416"/>
-            </a:xfrm>
-            <a:prstGeom prst="ellipse">
-              <a:avLst/>
-            </a:prstGeom>
-            <a:gradFill rotWithShape="1">
-              <a:gsLst>
-                <a:gs pos="0">
-                  <a:srgbClr val="FFFFFF">
-                    <a:gamma/>
-                    <a:shade val="54118"/>
-                    <a:invGamma/>
-                  </a:srgbClr>
-                </a:gs>
-                <a:gs pos="50000">
-                  <a:srgbClr val="FFFFFF"/>
-                </a:gs>
-                <a:gs pos="100000">
-                  <a:srgbClr val="FFFFFF">
-                    <a:gamma/>
-                    <a:shade val="54118"/>
-                    <a:invGamma/>
-                  </a:srgbClr>
-                </a:gs>
-              </a:gsLst>
-              <a:lin ang="18900000" scaled="1"/>
-            </a:gradFill>
-            <a:ln w="9525">
-              <a:solidFill>
-                <a:srgbClr val="DDDDDD"/>
-              </a:solidFill>
-              <a:round/>
-              <a:headEnd/>
-              <a:tailEnd/>
-            </a:ln>
-            <a:effectLst>
-              <a:outerShdw dist="35921" dir="2700000" algn="ctr" rotWithShape="0">
-                <a:schemeClr val="bg2">
-                  <a:alpha val="50000"/>
-                </a:schemeClr>
-              </a:outerShdw>
-            </a:effectLst>
-          </p:spPr>
-          <p:txBody>
-            <a:bodyPr wrap="none" anchor="ctr"/>
-            <a:lstStyle/>
-            <a:p>
-              <a:endParaRPr lang="en-US" dirty="0"/>
-            </a:p>
-          </p:txBody>
-        </p:sp>
-        <p:grpSp>
-          <p:nvGrpSpPr>
-            <p:cNvPr id="35922" name="Group 82"/>
-            <p:cNvGrpSpPr>
-              <a:grpSpLocks/>
-            </p:cNvGrpSpPr>
-            <p:nvPr/>
-          </p:nvGrpSpPr>
-          <p:grpSpPr bwMode="auto">
-            <a:xfrm rot="-2288454">
-              <a:off x="4838" y="1034"/>
-              <a:ext cx="348" cy="356"/>
-              <a:chOff x="887" y="2040"/>
-              <a:chExt cx="433" cy="422"/>
-            </a:xfrm>
-          </p:grpSpPr>
-          <p:pic>
-            <p:nvPicPr>
-              <p:cNvPr id="35923" name="Picture 83" descr="circuler_1"/>
-              <p:cNvPicPr>
-                <a:picLocks noChangeAspect="1" noChangeArrowheads="1"/>
-              </p:cNvPicPr>
-              <p:nvPr/>
-            </p:nvPicPr>
-            <p:blipFill>
-              <a:blip r:embed="rId3" cstate="print">
-                <a:extLst>
-                  <a:ext uri="{28A0092B-C50C-407E-A947-70E740481C1C}">
-                    <a14:useLocalDpi xmlns:a14="http://schemas.microsoft.com/office/drawing/2010/main" val="0"/>
-                  </a:ext>
-                </a:extLst>
-              </a:blip>
-              <a:srcRect/>
-              <a:stretch>
-                <a:fillRect/>
-              </a:stretch>
-            </p:blipFill>
-            <p:spPr bwMode="gray">
-              <a:xfrm>
-                <a:off x="887" y="2040"/>
-                <a:ext cx="430" cy="420"/>
-              </a:xfrm>
-              <a:prstGeom prst="rect">
-                <a:avLst/>
-              </a:prstGeom>
-              <a:noFill/>
-              <a:extLst>
-                <a:ext uri="{909E8E84-426E-40DD-AFC4-6F175D3DCCD1}">
-                  <a14:hiddenFill xmlns:a14="http://schemas.microsoft.com/office/drawing/2010/main">
-                    <a:solidFill>
-                      <a:srgbClr val="FFFFFF"/>
-                    </a:solidFill>
-                  </a14:hiddenFill>
-                </a:ext>
-              </a:extLst>
-            </p:spPr>
-          </p:pic>
-          <p:sp>
-            <p:nvSpPr>
-              <p:cNvPr id="35924" name="Oval 84"/>
-              <p:cNvSpPr>
-                <a:spLocks noChangeArrowheads="1"/>
-              </p:cNvSpPr>
-              <p:nvPr/>
-            </p:nvSpPr>
-            <p:spPr bwMode="gray">
-              <a:xfrm>
-                <a:off x="887" y="2040"/>
-                <a:ext cx="433" cy="422"/>
-              </a:xfrm>
-              <a:prstGeom prst="ellipse">
-                <a:avLst/>
-              </a:prstGeom>
-              <a:solidFill>
-                <a:srgbClr val="FB4F2D">
-                  <a:alpha val="75000"/>
-                </a:srgbClr>
-              </a:solidFill>
-              <a:ln>
-                <a:noFill/>
-              </a:ln>
-              <a:effectLst/>
-              <a:extLst>
-                <a:ext uri="{91240B29-F687-4F45-9708-019B960494DF}">
-                  <a14:hiddenLine xmlns:a14="http://schemas.microsoft.com/office/drawing/2010/main" w="9525" algn="ctr">
-                    <a:solidFill>
-                      <a:schemeClr val="tx1"/>
-                    </a:solidFill>
-                    <a:round/>
-                    <a:headEnd/>
-                    <a:tailEnd/>
-                  </a14:hiddenLine>
-                </a:ext>
-                <a:ext uri="{AF507438-7753-43E0-B8FC-AC1667EBCBE1}">
-                  <a14:hiddenEffects xmlns:a14="http://schemas.microsoft.com/office/drawing/2010/main">
-                    <a:effectLst>
-                      <a:outerShdw dist="35921" dir="2700000" algn="ctr" rotWithShape="0">
-                        <a:schemeClr val="bg2"/>
-                      </a:outerShdw>
-                    </a:effectLst>
-                  </a14:hiddenEffects>
-                </a:ext>
-              </a:extLst>
-            </p:spPr>
-            <p:txBody>
-              <a:bodyPr wrap="none" anchor="ctr"/>
-              <a:lstStyle/>
-              <a:p>
-                <a:endParaRPr lang="en-US" dirty="0"/>
-              </a:p>
-            </p:txBody>
-          </p:sp>
-          <p:pic>
-            <p:nvPicPr>
-              <p:cNvPr id="35925" name="Picture 85" descr="Picture2"/>
-              <p:cNvPicPr>
-                <a:picLocks noChangeAspect="1" noChangeArrowheads="1"/>
-              </p:cNvPicPr>
-              <p:nvPr/>
-            </p:nvPicPr>
-            <p:blipFill>
-              <a:blip r:embed="rId4" cstate="print">
-                <a:extLst>
-                  <a:ext uri="{28A0092B-C50C-407E-A947-70E740481C1C}">
-                    <a14:useLocalDpi xmlns:a14="http://schemas.microsoft.com/office/drawing/2010/main" val="0"/>
-                  </a:ext>
-                </a:extLst>
-              </a:blip>
-              <a:srcRect/>
-              <a:stretch>
-                <a:fillRect/>
-              </a:stretch>
-            </p:blipFill>
-            <p:spPr bwMode="gray">
-              <a:xfrm>
-                <a:off x="930" y="2044"/>
-                <a:ext cx="345" cy="149"/>
-              </a:xfrm>
-              <a:prstGeom prst="rect">
-                <a:avLst/>
-              </a:prstGeom>
-              <a:noFill/>
-              <a:extLst>
-                <a:ext uri="{909E8E84-426E-40DD-AFC4-6F175D3DCCD1}">
-                  <a14:hiddenFill xmlns:a14="http://schemas.microsoft.com/office/drawing/2010/main">
-                    <a:solidFill>
-                      <a:srgbClr val="FFFFFF"/>
-                    </a:solidFill>
-                  </a14:hiddenFill>
-                </a:ext>
-              </a:extLst>
-            </p:spPr>
-          </p:pic>
-        </p:grpSp>
-        <p:pic>
-          <p:nvPicPr>
-            <p:cNvPr id="35929" name="Picture 89"/>
-            <p:cNvPicPr>
-              <a:picLocks noChangeAspect="1" noChangeArrowheads="1"/>
-            </p:cNvPicPr>
-            <p:nvPr/>
-          </p:nvPicPr>
-          <p:blipFill>
-            <a:blip r:embed="rId5" cstate="print">
-              <a:extLst>
-                <a:ext uri="{28A0092B-C50C-407E-A947-70E740481C1C}">
-                  <a14:useLocalDpi xmlns:a14="http://schemas.microsoft.com/office/drawing/2010/main" val="0"/>
-                </a:ext>
-              </a:extLst>
-            </a:blip>
-            <a:srcRect l="12015" t="9302" r="12404" b="12598"/>
-            <a:stretch>
-              <a:fillRect/>
-            </a:stretch>
-          </p:blipFill>
-          <p:spPr bwMode="gray">
-            <a:xfrm>
-              <a:off x="4830" y="1020"/>
-              <a:ext cx="359" cy="370"/>
-            </a:xfrm>
-            <a:prstGeom prst="rect">
-              <a:avLst/>
-            </a:prstGeom>
-            <a:noFill/>
-            <a:ln>
-              <a:noFill/>
-            </a:ln>
-            <a:effectLst/>
-            <a:extLst>
-              <a:ext uri="{909E8E84-426E-40DD-AFC4-6F175D3DCCD1}">
-                <a14:hiddenFill xmlns:a14="http://schemas.microsoft.com/office/drawing/2010/main">
-                  <a:solidFill>
-                    <a:schemeClr val="accent1"/>
-                  </a:solidFill>
-                </a14:hiddenFill>
-              </a:ext>
-              <a:ext uri="{91240B29-F687-4F45-9708-019B960494DF}">
-                <a14:hiddenLine xmlns:a14="http://schemas.microsoft.com/office/drawing/2010/main" w="9525">
-                  <a:solidFill>
-                    <a:schemeClr val="tx1"/>
-                  </a:solidFill>
-                  <a:miter lim="800000"/>
-                  <a:headEnd/>
-                  <a:tailEnd/>
-                </a14:hiddenLine>
-              </a:ext>
-              <a:ext uri="{AF507438-7753-43E0-B8FC-AC1667EBCBE1}">
-                <a14:hiddenEffects xmlns:a14="http://schemas.microsoft.com/office/drawing/2010/main">
-                  <a:effectLst>
-                    <a:outerShdw dist="35921" dir="2700000" algn="ctr" rotWithShape="0">
-                      <a:schemeClr val="bg2"/>
-                    </a:outerShdw>
-                  </a:effectLst>
-                </a14:hiddenEffects>
-              </a:ext>
-            </a:extLst>
-          </p:spPr>
-        </p:pic>
-      </p:grpSp>
       <p:sp>
         <p:nvSpPr>
           <p:cNvPr id="49" name="Striped Right Arrow 48"/>
@@ -24973,13 +22778,13 @@
   <p:clrMapOvr>
     <a:masterClrMapping/>
   </p:clrMapOvr>
-  <mc:AlternateContent xmlns:mc="http://schemas.openxmlformats.org/markup-compatibility/2006">
-    <mc:Choice xmlns:p14="http://schemas.microsoft.com/office/powerpoint/2010/main" Requires="p14">
+  <mc:AlternateContent xmlns:mc="http://schemas.openxmlformats.org/markup-compatibility/2006" xmlns:p14="http://schemas.microsoft.com/office/powerpoint/2010/main">
+    <mc:Choice Requires="p14">
       <p:transition p14:dur="250">
         <p:circle/>
       </p:transition>
     </mc:Choice>
-    <mc:Fallback>
+    <mc:Fallback xmlns="">
       <p:transition>
         <p:circle/>
       </p:transition>
@@ -25112,7 +22917,7 @@
 </p:sld>
 </file>
 
-<file path=ppt/slides/slide6.xml><?xml version="1.0" encoding="utf-8"?>
+<file path=ppt/slides/slide5.xml><?xml version="1.0" encoding="utf-8"?>
 <p:sld xmlns:a="http://schemas.openxmlformats.org/drawingml/2006/main" xmlns:r="http://schemas.openxmlformats.org/officeDocument/2006/relationships" xmlns:p="http://schemas.openxmlformats.org/presentationml/2006/main">
   <p:cSld>
     <p:spTree>
@@ -25279,7 +23084,7 @@
           <a:graphicData uri="http://schemas.openxmlformats.org/presentationml/2006/ole">
             <mc:AlternateContent xmlns:mc="http://schemas.openxmlformats.org/markup-compatibility/2006">
               <mc:Choice xmlns:v="urn:schemas-microsoft-com:vml" Requires="v">
-                <p:oleObj spid="_x0000_s136218" name="Visio" r:id="rId3" imgW="7109163" imgH="7141093" progId="Visio.Drawing.11">
+                <p:oleObj spid="_x0000_s136219" name="Visio" r:id="rId3" imgW="7109163" imgH="7141093" progId="Visio.Drawing.11">
                   <p:embed/>
                 </p:oleObj>
               </mc:Choice>
@@ -25727,7 +23532,7 @@
 </p:sld>
 </file>
 
-<file path=ppt/slides/slide7.xml><?xml version="1.0" encoding="utf-8"?>
+<file path=ppt/slides/slide6.xml><?xml version="1.0" encoding="utf-8"?>
 <p:sld xmlns:a="http://schemas.openxmlformats.org/drawingml/2006/main" xmlns:r="http://schemas.openxmlformats.org/officeDocument/2006/relationships" xmlns:p="http://schemas.openxmlformats.org/presentationml/2006/main">
   <p:cSld>
     <p:spTree>
@@ -25786,122 +23591,6 @@
           </a:extLst>
         </p:spPr>
       </p:pic>
-      <p:sp>
-        <p:nvSpPr>
-          <p:cNvPr id="35842" name="Line 2"/>
-          <p:cNvSpPr>
-            <a:spLocks noChangeShapeType="1"/>
-          </p:cNvSpPr>
-          <p:nvPr/>
-        </p:nvSpPr>
-        <p:spPr bwMode="black">
-          <a:xfrm>
-            <a:off x="2928938" y="5543550"/>
-            <a:ext cx="4800600" cy="0"/>
-          </a:xfrm>
-          <a:prstGeom prst="line">
-            <a:avLst/>
-          </a:prstGeom>
-          <a:noFill/>
-          <a:ln w="28575" cap="rnd">
-            <a:solidFill>
-              <a:schemeClr val="tx1"/>
-            </a:solidFill>
-            <a:prstDash val="sysDot"/>
-            <a:round/>
-            <a:headEnd/>
-            <a:tailEnd/>
-          </a:ln>
-          <a:effectLst/>
-          <a:extLst>
-            <a:ext uri="{909E8E84-426E-40DD-AFC4-6F175D3DCCD1}">
-              <a14:hiddenFill xmlns:a14="http://schemas.microsoft.com/office/drawing/2010/main">
-                <a:noFill/>
-              </a14:hiddenFill>
-            </a:ext>
-            <a:ext uri="{AF507438-7753-43E0-B8FC-AC1667EBCBE1}">
-              <a14:hiddenEffects xmlns:a14="http://schemas.microsoft.com/office/drawing/2010/main">
-                <a:effectLst>
-                  <a:outerShdw dist="35921" dir="2700000" algn="ctr" rotWithShape="0">
-                    <a:schemeClr val="bg2"/>
-                  </a:outerShdw>
-                </a:effectLst>
-              </a14:hiddenEffects>
-            </a:ext>
-          </a:extLst>
-        </p:spPr>
-        <p:txBody>
-          <a:bodyPr/>
-          <a:lstStyle/>
-          <a:p>
-            <a:endParaRPr lang="en-US" dirty="0"/>
-          </a:p>
-        </p:txBody>
-      </p:sp>
-      <p:sp>
-        <p:nvSpPr>
-          <p:cNvPr id="35843" name="Rectangle 3"/>
-          <p:cNvSpPr>
-            <a:spLocks noChangeArrowheads="1"/>
-          </p:cNvSpPr>
-          <p:nvPr/>
-        </p:nvSpPr>
-        <p:spPr bwMode="black">
-          <a:xfrm>
-            <a:off x="3614738" y="5162550"/>
-            <a:ext cx="3552825" cy="369332"/>
-          </a:xfrm>
-          <a:prstGeom prst="rect">
-            <a:avLst/>
-          </a:prstGeom>
-          <a:noFill/>
-          <a:ln>
-            <a:noFill/>
-          </a:ln>
-          <a:effectLst/>
-          <a:extLst>
-            <a:ext uri="{909E8E84-426E-40DD-AFC4-6F175D3DCCD1}">
-              <a14:hiddenFill xmlns:a14="http://schemas.microsoft.com/office/drawing/2010/main">
-                <a:solidFill>
-                  <a:schemeClr val="accent1"/>
-                </a:solidFill>
-              </a14:hiddenFill>
-            </a:ext>
-            <a:ext uri="{91240B29-F687-4F45-9708-019B960494DF}">
-              <a14:hiddenLine xmlns:a14="http://schemas.microsoft.com/office/drawing/2010/main" w="9525">
-                <a:solidFill>
-                  <a:schemeClr val="tx1"/>
-                </a:solidFill>
-                <a:miter lim="800000"/>
-                <a:headEnd/>
-                <a:tailEnd/>
-              </a14:hiddenLine>
-            </a:ext>
-            <a:ext uri="{AF507438-7753-43E0-B8FC-AC1667EBCBE1}">
-              <a14:hiddenEffects xmlns:a14="http://schemas.microsoft.com/office/drawing/2010/main">
-                <a:effectLst>
-                  <a:outerShdw dist="35921" dir="2700000" algn="ctr" rotWithShape="0">
-                    <a:schemeClr val="bg2"/>
-                  </a:outerShdw>
-                </a:effectLst>
-              </a14:hiddenEffects>
-            </a:ext>
-          </a:extLst>
-        </p:spPr>
-        <p:txBody>
-          <a:bodyPr>
-            <a:spAutoFit/>
-          </a:bodyPr>
-          <a:lstStyle/>
-          <a:p>
-            <a:pPr lvl="0"/>
-            <a:r>
-              <a:rPr lang="en-US" dirty="0"/>
-              <a:t>Related Document</a:t>
-            </a:r>
-          </a:p>
-        </p:txBody>
-      </p:sp>
       <p:sp>
         <p:nvSpPr>
           <p:cNvPr id="35844" name="Line 4"/>
@@ -27660,303 +25349,6 @@
           </p:spPr>
         </p:pic>
       </p:grpSp>
-      <p:grpSp>
-        <p:nvGrpSpPr>
-          <p:cNvPr id="35930" name="Group 90"/>
-          <p:cNvGrpSpPr>
-            <a:grpSpLocks/>
-          </p:cNvGrpSpPr>
-          <p:nvPr/>
-        </p:nvGrpSpPr>
-        <p:grpSpPr bwMode="auto">
-          <a:xfrm>
-            <a:off x="2732088" y="5148263"/>
-            <a:ext cx="393700" cy="393700"/>
-            <a:chOff x="4803" y="1006"/>
-            <a:chExt cx="416" cy="416"/>
-          </a:xfrm>
-        </p:grpSpPr>
-        <p:sp>
-          <p:nvSpPr>
-            <p:cNvPr id="35921" name="Oval 81"/>
-            <p:cNvSpPr>
-              <a:spLocks noChangeArrowheads="1"/>
-            </p:cNvSpPr>
-            <p:nvPr/>
-          </p:nvSpPr>
-          <p:spPr bwMode="gray">
-            <a:xfrm>
-              <a:off x="4803" y="1006"/>
-              <a:ext cx="416" cy="416"/>
-            </a:xfrm>
-            <a:prstGeom prst="ellipse">
-              <a:avLst/>
-            </a:prstGeom>
-            <a:gradFill rotWithShape="1">
-              <a:gsLst>
-                <a:gs pos="0">
-                  <a:srgbClr val="FFFFFF">
-                    <a:gamma/>
-                    <a:shade val="54118"/>
-                    <a:invGamma/>
-                  </a:srgbClr>
-                </a:gs>
-                <a:gs pos="50000">
-                  <a:srgbClr val="FFFFFF"/>
-                </a:gs>
-                <a:gs pos="100000">
-                  <a:srgbClr val="FFFFFF">
-                    <a:gamma/>
-                    <a:shade val="54118"/>
-                    <a:invGamma/>
-                  </a:srgbClr>
-                </a:gs>
-              </a:gsLst>
-              <a:lin ang="18900000" scaled="1"/>
-            </a:gradFill>
-            <a:ln w="9525">
-              <a:solidFill>
-                <a:srgbClr val="DDDDDD"/>
-              </a:solidFill>
-              <a:round/>
-              <a:headEnd/>
-              <a:tailEnd/>
-            </a:ln>
-            <a:effectLst>
-              <a:outerShdw dist="35921" dir="2700000" algn="ctr" rotWithShape="0">
-                <a:schemeClr val="bg2">
-                  <a:alpha val="50000"/>
-                </a:schemeClr>
-              </a:outerShdw>
-            </a:effectLst>
-          </p:spPr>
-          <p:txBody>
-            <a:bodyPr wrap="none" anchor="ctr"/>
-            <a:lstStyle/>
-            <a:p>
-              <a:endParaRPr lang="en-US" dirty="0"/>
-            </a:p>
-          </p:txBody>
-        </p:sp>
-        <p:grpSp>
-          <p:nvGrpSpPr>
-            <p:cNvPr id="35922" name="Group 82"/>
-            <p:cNvGrpSpPr>
-              <a:grpSpLocks/>
-            </p:cNvGrpSpPr>
-            <p:nvPr/>
-          </p:nvGrpSpPr>
-          <p:grpSpPr bwMode="auto">
-            <a:xfrm rot="-2288454">
-              <a:off x="4838" y="1034"/>
-              <a:ext cx="348" cy="356"/>
-              <a:chOff x="887" y="2040"/>
-              <a:chExt cx="433" cy="422"/>
-            </a:xfrm>
-          </p:grpSpPr>
-          <p:pic>
-            <p:nvPicPr>
-              <p:cNvPr id="35923" name="Picture 83" descr="circuler_1"/>
-              <p:cNvPicPr>
-                <a:picLocks noChangeAspect="1" noChangeArrowheads="1"/>
-              </p:cNvPicPr>
-              <p:nvPr/>
-            </p:nvPicPr>
-            <p:blipFill>
-              <a:blip r:embed="rId3" cstate="print">
-                <a:extLst>
-                  <a:ext uri="{28A0092B-C50C-407E-A947-70E740481C1C}">
-                    <a14:useLocalDpi xmlns:a14="http://schemas.microsoft.com/office/drawing/2010/main" val="0"/>
-                  </a:ext>
-                </a:extLst>
-              </a:blip>
-              <a:srcRect/>
-              <a:stretch>
-                <a:fillRect/>
-              </a:stretch>
-            </p:blipFill>
-            <p:spPr bwMode="gray">
-              <a:xfrm>
-                <a:off x="887" y="2040"/>
-                <a:ext cx="430" cy="420"/>
-              </a:xfrm>
-              <a:prstGeom prst="rect">
-                <a:avLst/>
-              </a:prstGeom>
-              <a:noFill/>
-              <a:extLst>
-                <a:ext uri="{909E8E84-426E-40DD-AFC4-6F175D3DCCD1}">
-                  <a14:hiddenFill xmlns:a14="http://schemas.microsoft.com/office/drawing/2010/main">
-                    <a:solidFill>
-                      <a:srgbClr val="FFFFFF"/>
-                    </a:solidFill>
-                  </a14:hiddenFill>
-                </a:ext>
-              </a:extLst>
-            </p:spPr>
-          </p:pic>
-          <p:sp>
-            <p:nvSpPr>
-              <p:cNvPr id="35924" name="Oval 84"/>
-              <p:cNvSpPr>
-                <a:spLocks noChangeArrowheads="1"/>
-              </p:cNvSpPr>
-              <p:nvPr/>
-            </p:nvSpPr>
-            <p:spPr bwMode="gray">
-              <a:xfrm>
-                <a:off x="887" y="2040"/>
-                <a:ext cx="433" cy="422"/>
-              </a:xfrm>
-              <a:prstGeom prst="ellipse">
-                <a:avLst/>
-              </a:prstGeom>
-              <a:solidFill>
-                <a:srgbClr val="FB4F2D">
-                  <a:alpha val="75000"/>
-                </a:srgbClr>
-              </a:solidFill>
-              <a:ln>
-                <a:noFill/>
-              </a:ln>
-              <a:effectLst/>
-              <a:extLst>
-                <a:ext uri="{91240B29-F687-4F45-9708-019B960494DF}">
-                  <a14:hiddenLine xmlns:a14="http://schemas.microsoft.com/office/drawing/2010/main" w="9525" algn="ctr">
-                    <a:solidFill>
-                      <a:schemeClr val="tx1"/>
-                    </a:solidFill>
-                    <a:round/>
-                    <a:headEnd/>
-                    <a:tailEnd/>
-                  </a14:hiddenLine>
-                </a:ext>
-                <a:ext uri="{AF507438-7753-43E0-B8FC-AC1667EBCBE1}">
-                  <a14:hiddenEffects xmlns:a14="http://schemas.microsoft.com/office/drawing/2010/main">
-                    <a:effectLst>
-                      <a:outerShdw dist="35921" dir="2700000" algn="ctr" rotWithShape="0">
-                        <a:schemeClr val="bg2"/>
-                      </a:outerShdw>
-                    </a:effectLst>
-                  </a14:hiddenEffects>
-                </a:ext>
-              </a:extLst>
-            </p:spPr>
-            <p:txBody>
-              <a:bodyPr wrap="none" anchor="ctr"/>
-              <a:lstStyle/>
-              <a:p>
-                <a:endParaRPr lang="en-US" dirty="0"/>
-              </a:p>
-            </p:txBody>
-          </p:sp>
-          <p:pic>
-            <p:nvPicPr>
-              <p:cNvPr id="35925" name="Picture 85" descr="Picture2"/>
-              <p:cNvPicPr>
-                <a:picLocks noChangeAspect="1" noChangeArrowheads="1"/>
-              </p:cNvPicPr>
-              <p:nvPr/>
-            </p:nvPicPr>
-            <p:blipFill>
-              <a:blip r:embed="rId4" cstate="print">
-                <a:extLst>
-                  <a:ext uri="{28A0092B-C50C-407E-A947-70E740481C1C}">
-                    <a14:useLocalDpi xmlns:a14="http://schemas.microsoft.com/office/drawing/2010/main" val="0"/>
-                  </a:ext>
-                </a:extLst>
-              </a:blip>
-              <a:srcRect/>
-              <a:stretch>
-                <a:fillRect/>
-              </a:stretch>
-            </p:blipFill>
-            <p:spPr bwMode="gray">
-              <a:xfrm>
-                <a:off x="930" y="2044"/>
-                <a:ext cx="345" cy="149"/>
-              </a:xfrm>
-              <a:prstGeom prst="rect">
-                <a:avLst/>
-              </a:prstGeom>
-              <a:noFill/>
-              <a:extLst>
-                <a:ext uri="{909E8E84-426E-40DD-AFC4-6F175D3DCCD1}">
-                  <a14:hiddenFill xmlns:a14="http://schemas.microsoft.com/office/drawing/2010/main">
-                    <a:solidFill>
-                      <a:srgbClr val="FFFFFF"/>
-                    </a:solidFill>
-                  </a14:hiddenFill>
-                </a:ext>
-              </a:extLst>
-            </p:spPr>
-          </p:pic>
-        </p:grpSp>
-        <p:pic>
-          <p:nvPicPr>
-            <p:cNvPr id="35929" name="Picture 89"/>
-            <p:cNvPicPr>
-              <a:picLocks noChangeAspect="1" noChangeArrowheads="1"/>
-            </p:cNvPicPr>
-            <p:nvPr/>
-          </p:nvPicPr>
-          <p:blipFill>
-            <a:blip r:embed="rId5" cstate="print">
-              <a:extLst>
-                <a:ext uri="{28A0092B-C50C-407E-A947-70E740481C1C}">
-                  <a14:useLocalDpi xmlns:a14="http://schemas.microsoft.com/office/drawing/2010/main" val="0"/>
-                </a:ext>
-              </a:extLst>
-            </a:blip>
-            <a:srcRect l="12015" t="9302" r="12404" b="12598"/>
-            <a:stretch>
-              <a:fillRect/>
-            </a:stretch>
-          </p:blipFill>
-          <p:spPr bwMode="gray">
-            <a:xfrm>
-              <a:off x="4830" y="1020"/>
-              <a:ext cx="359" cy="370"/>
-            </a:xfrm>
-            <a:prstGeom prst="rect">
-              <a:avLst/>
-            </a:prstGeom>
-            <a:noFill/>
-            <a:ln>
-              <a:noFill/>
-            </a:ln>
-            <a:effectLst/>
-            <a:extLst>
-              <a:ext uri="{909E8E84-426E-40DD-AFC4-6F175D3DCCD1}">
-                <a14:hiddenFill xmlns:a14="http://schemas.microsoft.com/office/drawing/2010/main">
-                  <a:solidFill>
-                    <a:schemeClr val="accent1"/>
-                  </a:solidFill>
-                </a14:hiddenFill>
-              </a:ext>
-              <a:ext uri="{91240B29-F687-4F45-9708-019B960494DF}">
-                <a14:hiddenLine xmlns:a14="http://schemas.microsoft.com/office/drawing/2010/main" w="9525">
-                  <a:solidFill>
-                    <a:schemeClr val="tx1"/>
-                  </a:solidFill>
-                  <a:miter lim="800000"/>
-                  <a:headEnd/>
-                  <a:tailEnd/>
-                </a14:hiddenLine>
-              </a:ext>
-              <a:ext uri="{AF507438-7753-43E0-B8FC-AC1667EBCBE1}">
-                <a14:hiddenEffects xmlns:a14="http://schemas.microsoft.com/office/drawing/2010/main">
-                  <a:effectLst>
-                    <a:outerShdw dist="35921" dir="2700000" algn="ctr" rotWithShape="0">
-                      <a:schemeClr val="bg2"/>
-                    </a:outerShdw>
-                  </a:effectLst>
-                </a14:hiddenEffects>
-              </a:ext>
-            </a:extLst>
-          </p:spPr>
-        </p:pic>
-      </p:grpSp>
       <p:sp>
         <p:nvSpPr>
           <p:cNvPr id="49" name="Striped Right Arrow 48"/>
@@ -28222,7 +25614,7 @@
 </p:sld>
 </file>
 
-<file path=ppt/slides/slide8.xml><?xml version="1.0" encoding="utf-8"?>
+<file path=ppt/slides/slide7.xml><?xml version="1.0" encoding="utf-8"?>
 <p:sld xmlns:a="http://schemas.openxmlformats.org/drawingml/2006/main" xmlns:r="http://schemas.openxmlformats.org/officeDocument/2006/relationships" xmlns:p="http://schemas.openxmlformats.org/presentationml/2006/main">
   <p:cSld>
     <p:spTree>
@@ -28471,7 +25863,7 @@
 </p:sld>
 </file>
 
-<file path=ppt/slides/slide9.xml><?xml version="1.0" encoding="utf-8"?>
+<file path=ppt/slides/slide8.xml><?xml version="1.0" encoding="utf-8"?>
 <p:sld xmlns:a="http://schemas.openxmlformats.org/drawingml/2006/main" xmlns:r="http://schemas.openxmlformats.org/officeDocument/2006/relationships" xmlns:p="http://schemas.openxmlformats.org/presentationml/2006/main">
   <p:cSld>
     <p:spTree>
@@ -28683,13 +26075,13 @@
   <p:clrMapOvr>
     <a:masterClrMapping/>
   </p:clrMapOvr>
-  <mc:AlternateContent xmlns:mc="http://schemas.openxmlformats.org/markup-compatibility/2006">
-    <mc:Choice xmlns:p14="http://schemas.microsoft.com/office/powerpoint/2010/main" Requires="p14">
+  <mc:AlternateContent xmlns:mc="http://schemas.openxmlformats.org/markup-compatibility/2006" xmlns:p14="http://schemas.microsoft.com/office/powerpoint/2010/main">
+    <mc:Choice Requires="p14">
       <p:transition spd="med">
         <p14:switch dir="r"/>
       </p:transition>
     </mc:Choice>
-    <mc:Fallback>
+    <mc:Fallback xmlns="">
       <p:transition spd="med">
         <p:fade/>
       </p:transition>
@@ -28778,6 +26170,138 @@
             </p:seq>
           </p:childTnLst>
         </p:cTn>
+      </p:par>
+    </p:tnLst>
+  </p:timing>
+</p:sld>
+</file>
+
+<file path=ppt/slides/slide9.xml><?xml version="1.0" encoding="utf-8"?>
+<p:sld xmlns:a="http://schemas.openxmlformats.org/drawingml/2006/main" xmlns:r="http://schemas.openxmlformats.org/officeDocument/2006/relationships" xmlns:p="http://schemas.openxmlformats.org/presentationml/2006/main">
+  <p:cSld>
+    <p:spTree>
+      <p:nvGrpSpPr>
+        <p:cNvPr id="1" name=""/>
+        <p:cNvGrpSpPr/>
+        <p:nvPr/>
+      </p:nvGrpSpPr>
+      <p:grpSpPr>
+        <a:xfrm>
+          <a:off x="0" y="0"/>
+          <a:ext cx="0" cy="0"/>
+          <a:chOff x="0" y="0"/>
+          <a:chExt cx="0" cy="0"/>
+        </a:xfrm>
+      </p:grpSpPr>
+      <p:sp>
+        <p:nvSpPr>
+          <p:cNvPr id="4" name="Title 1"/>
+          <p:cNvSpPr>
+            <a:spLocks noGrp="1"/>
+          </p:cNvSpPr>
+          <p:nvPr>
+            <p:ph type="title"/>
+          </p:nvPr>
+        </p:nvSpPr>
+        <p:spPr>
+          <a:xfrm>
+            <a:off x="1219200" y="152400"/>
+            <a:ext cx="7391400" cy="990600"/>
+          </a:xfrm>
+        </p:spPr>
+        <p:txBody>
+          <a:bodyPr/>
+          <a:lstStyle/>
+          <a:p>
+            <a:pPr lvl="0"/>
+            <a:r>
+              <a:rPr lang="en-US" sz="3200" dirty="0" smtClean="0"/>
+              <a:t>Defect Detection Arrival Rate by Severity Metric </a:t>
+            </a:r>
+            <a:endParaRPr lang="en-US" sz="3200" dirty="0"/>
+          </a:p>
+        </p:txBody>
+      </p:sp>
+      <p:pic>
+        <p:nvPicPr>
+          <p:cNvPr id="137218" name="Chart 1"/>
+          <p:cNvPicPr>
+            <a:picLocks noChangeArrowheads="1"/>
+          </p:cNvPicPr>
+          <p:nvPr/>
+        </p:nvPicPr>
+        <p:blipFill>
+          <a:blip r:embed="rId2">
+            <a:extLst>
+              <a:ext uri="{28A0092B-C50C-407E-A947-70E740481C1C}">
+                <a14:useLocalDpi xmlns:a14="http://schemas.microsoft.com/office/drawing/2010/main" val="0"/>
+              </a:ext>
+            </a:extLst>
+          </a:blip>
+          <a:srcRect/>
+          <a:stretch>
+            <a:fillRect/>
+          </a:stretch>
+        </p:blipFill>
+        <p:spPr bwMode="auto">
+          <a:xfrm>
+            <a:off x="381000" y="1279288"/>
+            <a:ext cx="8305800" cy="5422900"/>
+          </a:xfrm>
+          <a:prstGeom prst="rect">
+            <a:avLst/>
+          </a:prstGeom>
+          <a:noFill/>
+          <a:ln>
+            <a:noFill/>
+          </a:ln>
+          <a:extLst>
+            <a:ext uri="{909E8E84-426E-40DD-AFC4-6F175D3DCCD1}">
+              <a14:hiddenFill xmlns:a14="http://schemas.microsoft.com/office/drawing/2010/main">
+                <a:solidFill>
+                  <a:srgbClr val="FFFFFF"/>
+                </a:solidFill>
+              </a14:hiddenFill>
+            </a:ext>
+            <a:ext uri="{91240B29-F687-4F45-9708-019B960494DF}">
+              <a14:hiddenLine xmlns:a14="http://schemas.microsoft.com/office/drawing/2010/main" w="9525">
+                <a:solidFill>
+                  <a:srgbClr val="000000"/>
+                </a:solidFill>
+                <a:miter lim="800000"/>
+                <a:headEnd/>
+                <a:tailEnd/>
+              </a14:hiddenLine>
+            </a:ext>
+          </a:extLst>
+        </p:spPr>
+      </p:pic>
+    </p:spTree>
+    <p:extLst>
+      <p:ext uri="{BB962C8B-B14F-4D97-AF65-F5344CB8AC3E}">
+        <p14:creationId xmlns:p14="http://schemas.microsoft.com/office/powerpoint/2010/main" val="2234613466"/>
+      </p:ext>
+    </p:extLst>
+  </p:cSld>
+  <p:clrMapOvr>
+    <a:masterClrMapping/>
+  </p:clrMapOvr>
+  <mc:AlternateContent xmlns:mc="http://schemas.openxmlformats.org/markup-compatibility/2006" xmlns:p14="http://schemas.microsoft.com/office/powerpoint/2010/main">
+    <mc:Choice Requires="p14">
+      <p:transition spd="med">
+        <p14:ripple/>
+      </p:transition>
+    </mc:Choice>
+    <mc:Fallback xmlns="">
+      <p:transition spd="med">
+        <p:fade/>
+      </p:transition>
+    </mc:Fallback>
+  </mc:AlternateContent>
+  <p:timing>
+    <p:tnLst>
+      <p:par>
+        <p:cTn id="1" dur="indefinite" restart="never" nodeType="tmRoot"/>
       </p:par>
     </p:tnLst>
   </p:timing>
